--- a/slides/01-Introduction-into-PHP.pptx
+++ b/slides/01-Introduction-into-PHP.pptx
@@ -61,7 +61,7 @@
       </p:grpSpPr>
       <p:sp>
         <p:nvSpPr>
-          <p:cNvPr id="26" name="PlaceHolder 1"/>
+          <p:cNvPr id="23" name="PlaceHolder 1"/>
           <p:cNvSpPr>
             <a:spLocks noGrp="1"/>
           </p:cNvSpPr>
@@ -71,8 +71,8 @@
         </p:nvSpPr>
         <p:spPr>
           <a:xfrm>
-            <a:off x="457200" y="274680"/>
-            <a:ext cx="8229240" cy="1142640"/>
+            <a:off x="457200" y="273600"/>
+            <a:ext cx="8229240" cy="1144800"/>
           </a:xfrm>
           <a:prstGeom prst="rect">
             <a:avLst/>
@@ -81,13 +81,14 @@
         <p:txBody>
           <a:bodyPr lIns="0" rIns="0" tIns="0" bIns="0" anchor="ctr"/>
           <a:p>
-            <a:endParaRPr/>
-          </a:p>
-        </p:txBody>
-      </p:sp>
-      <p:sp>
-        <p:nvSpPr>
-          <p:cNvPr id="27" name="PlaceHolder 2"/>
+            <a:pPr algn="ctr"/>
+            <a:endParaRPr/>
+          </a:p>
+        </p:txBody>
+      </p:sp>
+      <p:sp>
+        <p:nvSpPr>
+          <p:cNvPr id="24" name="PlaceHolder 2"/>
           <p:cNvSpPr>
             <a:spLocks noGrp="1"/>
           </p:cNvSpPr>
@@ -97,8 +98,8 @@
         </p:nvSpPr>
         <p:spPr>
           <a:xfrm>
-            <a:off x="457200" y="1600200"/>
-            <a:ext cx="8229240" cy="2158560"/>
+            <a:off x="457200" y="1604520"/>
+            <a:ext cx="8229240" cy="1896840"/>
           </a:xfrm>
           <a:prstGeom prst="rect">
             <a:avLst/>
@@ -113,7 +114,7 @@
       </p:sp>
       <p:sp>
         <p:nvSpPr>
-          <p:cNvPr id="28" name="PlaceHolder 3"/>
+          <p:cNvPr id="25" name="PlaceHolder 3"/>
           <p:cNvSpPr>
             <a:spLocks noGrp="1"/>
           </p:cNvSpPr>
@@ -123,8 +124,8 @@
         </p:nvSpPr>
         <p:spPr>
           <a:xfrm>
-            <a:off x="457200" y="3964320"/>
-            <a:ext cx="8229240" cy="2158560"/>
+            <a:off x="457200" y="3682080"/>
+            <a:ext cx="8229240" cy="1896840"/>
           </a:xfrm>
           <a:prstGeom prst="rect">
             <a:avLst/>
@@ -161,7 +162,7 @@
       </p:grpSpPr>
       <p:sp>
         <p:nvSpPr>
-          <p:cNvPr id="29" name="PlaceHolder 1"/>
+          <p:cNvPr id="26" name="PlaceHolder 1"/>
           <p:cNvSpPr>
             <a:spLocks noGrp="1"/>
           </p:cNvSpPr>
@@ -171,8 +172,8 @@
         </p:nvSpPr>
         <p:spPr>
           <a:xfrm>
-            <a:off x="457200" y="274680"/>
-            <a:ext cx="8229240" cy="1142640"/>
+            <a:off x="457200" y="273600"/>
+            <a:ext cx="8229240" cy="1144800"/>
           </a:xfrm>
           <a:prstGeom prst="rect">
             <a:avLst/>
@@ -181,13 +182,14 @@
         <p:txBody>
           <a:bodyPr lIns="0" rIns="0" tIns="0" bIns="0" anchor="ctr"/>
           <a:p>
-            <a:endParaRPr/>
-          </a:p>
-        </p:txBody>
-      </p:sp>
-      <p:sp>
-        <p:nvSpPr>
-          <p:cNvPr id="30" name="PlaceHolder 2"/>
+            <a:pPr algn="ctr"/>
+            <a:endParaRPr/>
+          </a:p>
+        </p:txBody>
+      </p:sp>
+      <p:sp>
+        <p:nvSpPr>
+          <p:cNvPr id="27" name="PlaceHolder 2"/>
           <p:cNvSpPr>
             <a:spLocks noGrp="1"/>
           </p:cNvSpPr>
@@ -197,8 +199,8 @@
         </p:nvSpPr>
         <p:spPr>
           <a:xfrm>
-            <a:off x="457200" y="1600200"/>
-            <a:ext cx="4015800" cy="2158560"/>
+            <a:off x="457200" y="1604520"/>
+            <a:ext cx="4015800" cy="1896840"/>
           </a:xfrm>
           <a:prstGeom prst="rect">
             <a:avLst/>
@@ -213,7 +215,7 @@
       </p:sp>
       <p:sp>
         <p:nvSpPr>
-          <p:cNvPr id="31" name="PlaceHolder 3"/>
+          <p:cNvPr id="28" name="PlaceHolder 3"/>
           <p:cNvSpPr>
             <a:spLocks noGrp="1"/>
           </p:cNvSpPr>
@@ -223,8 +225,8 @@
         </p:nvSpPr>
         <p:spPr>
           <a:xfrm>
-            <a:off x="4674240" y="1600200"/>
-            <a:ext cx="4015800" cy="2158560"/>
+            <a:off x="4674240" y="1604520"/>
+            <a:ext cx="4015800" cy="1896840"/>
           </a:xfrm>
           <a:prstGeom prst="rect">
             <a:avLst/>
@@ -239,7 +241,7 @@
       </p:sp>
       <p:sp>
         <p:nvSpPr>
-          <p:cNvPr id="32" name="PlaceHolder 4"/>
+          <p:cNvPr id="29" name="PlaceHolder 4"/>
           <p:cNvSpPr>
             <a:spLocks noGrp="1"/>
           </p:cNvSpPr>
@@ -249,8 +251,8 @@
         </p:nvSpPr>
         <p:spPr>
           <a:xfrm>
-            <a:off x="4674240" y="3964320"/>
-            <a:ext cx="4015800" cy="2158560"/>
+            <a:off x="4674240" y="3682080"/>
+            <a:ext cx="4015800" cy="1896840"/>
           </a:xfrm>
           <a:prstGeom prst="rect">
             <a:avLst/>
@@ -265,7 +267,7 @@
       </p:sp>
       <p:sp>
         <p:nvSpPr>
-          <p:cNvPr id="33" name="PlaceHolder 5"/>
+          <p:cNvPr id="30" name="PlaceHolder 5"/>
           <p:cNvSpPr>
             <a:spLocks noGrp="1"/>
           </p:cNvSpPr>
@@ -275,8 +277,8 @@
         </p:nvSpPr>
         <p:spPr>
           <a:xfrm>
-            <a:off x="457200" y="3964320"/>
-            <a:ext cx="4015800" cy="2158560"/>
+            <a:off x="457200" y="3682080"/>
+            <a:ext cx="4015800" cy="1896840"/>
           </a:xfrm>
           <a:prstGeom prst="rect">
             <a:avLst/>
@@ -313,7 +315,7 @@
       </p:grpSpPr>
       <p:sp>
         <p:nvSpPr>
-          <p:cNvPr id="34" name="PlaceHolder 1"/>
+          <p:cNvPr id="31" name="PlaceHolder 1"/>
           <p:cNvSpPr>
             <a:spLocks noGrp="1"/>
           </p:cNvSpPr>
@@ -323,8 +325,8 @@
         </p:nvSpPr>
         <p:spPr>
           <a:xfrm>
-            <a:off x="457200" y="274680"/>
-            <a:ext cx="8229240" cy="1142640"/>
+            <a:off x="457200" y="273600"/>
+            <a:ext cx="8229240" cy="1144800"/>
           </a:xfrm>
           <a:prstGeom prst="rect">
             <a:avLst/>
@@ -333,13 +335,14 @@
         <p:txBody>
           <a:bodyPr lIns="0" rIns="0" tIns="0" bIns="0" anchor="ctr"/>
           <a:p>
-            <a:endParaRPr/>
-          </a:p>
-        </p:txBody>
-      </p:sp>
-      <p:sp>
-        <p:nvSpPr>
-          <p:cNvPr id="35" name="PlaceHolder 2"/>
+            <a:pPr algn="ctr"/>
+            <a:endParaRPr/>
+          </a:p>
+        </p:txBody>
+      </p:sp>
+      <p:sp>
+        <p:nvSpPr>
+          <p:cNvPr id="32" name="PlaceHolder 2"/>
           <p:cNvSpPr>
             <a:spLocks noGrp="1"/>
           </p:cNvSpPr>
@@ -349,8 +352,8 @@
         </p:nvSpPr>
         <p:spPr>
           <a:xfrm>
-            <a:off x="457200" y="1600200"/>
-            <a:ext cx="8229240" cy="4525560"/>
+            <a:off x="457200" y="1604520"/>
+            <a:ext cx="8229240" cy="3977280"/>
           </a:xfrm>
           <a:prstGeom prst="rect">
             <a:avLst/>
@@ -365,7 +368,7 @@
       </p:sp>
       <p:sp>
         <p:nvSpPr>
-          <p:cNvPr id="36" name="PlaceHolder 3"/>
+          <p:cNvPr id="33" name="PlaceHolder 3"/>
           <p:cNvSpPr>
             <a:spLocks noGrp="1"/>
           </p:cNvSpPr>
@@ -375,8 +378,8 @@
         </p:nvSpPr>
         <p:spPr>
           <a:xfrm>
-            <a:off x="457200" y="1600200"/>
-            <a:ext cx="8229240" cy="4525560"/>
+            <a:off x="457200" y="1604520"/>
+            <a:ext cx="8229240" cy="3977280"/>
           </a:xfrm>
           <a:prstGeom prst="rect">
             <a:avLst/>
@@ -391,7 +394,7 @@
       </p:sp>
       <p:pic>
         <p:nvPicPr>
-          <p:cNvPr id="37" name="" descr=""/>
+          <p:cNvPr id="34" name="" descr=""/>
           <p:cNvPicPr/>
           <p:nvPr/>
         </p:nvPicPr>
@@ -401,8 +404,8 @@
         </p:blipFill>
         <p:spPr>
           <a:xfrm>
-            <a:off x="1735560" y="1599840"/>
-            <a:ext cx="5671800" cy="4525560"/>
+            <a:off x="2079000" y="1604520"/>
+            <a:ext cx="4984920" cy="3977280"/>
           </a:xfrm>
           <a:prstGeom prst="rect">
             <a:avLst/>
@@ -414,7 +417,7 @@
       </p:pic>
       <p:pic>
         <p:nvPicPr>
-          <p:cNvPr id="38" name="" descr=""/>
+          <p:cNvPr id="35" name="" descr=""/>
           <p:cNvPicPr/>
           <p:nvPr/>
         </p:nvPicPr>
@@ -424,8 +427,8 @@
         </p:blipFill>
         <p:spPr>
           <a:xfrm>
-            <a:off x="1735560" y="1599840"/>
-            <a:ext cx="5671800" cy="4525560"/>
+            <a:off x="2079000" y="1604520"/>
+            <a:ext cx="4984920" cy="3977280"/>
           </a:xfrm>
           <a:prstGeom prst="rect">
             <a:avLst/>
@@ -481,7 +484,7 @@
       </p:grpSpPr>
       <p:sp>
         <p:nvSpPr>
-          <p:cNvPr id="44" name="PlaceHolder 1"/>
+          <p:cNvPr id="38" name="PlaceHolder 1"/>
           <p:cNvSpPr>
             <a:spLocks noGrp="1"/>
           </p:cNvSpPr>
@@ -491,8 +494,8 @@
         </p:nvSpPr>
         <p:spPr>
           <a:xfrm>
-            <a:off x="457200" y="274680"/>
-            <a:ext cx="8229240" cy="1142640"/>
+            <a:off x="457200" y="273600"/>
+            <a:ext cx="8229240" cy="1144800"/>
           </a:xfrm>
           <a:prstGeom prst="rect">
             <a:avLst/>
@@ -501,13 +504,14 @@
         <p:txBody>
           <a:bodyPr lIns="0" rIns="0" tIns="0" bIns="0" anchor="ctr"/>
           <a:p>
-            <a:endParaRPr/>
-          </a:p>
-        </p:txBody>
-      </p:sp>
-      <p:sp>
-        <p:nvSpPr>
-          <p:cNvPr id="45" name="PlaceHolder 2"/>
+            <a:pPr algn="ctr"/>
+            <a:endParaRPr/>
+          </a:p>
+        </p:txBody>
+      </p:sp>
+      <p:sp>
+        <p:nvSpPr>
+          <p:cNvPr id="39" name="PlaceHolder 2"/>
           <p:cNvSpPr>
             <a:spLocks noGrp="1"/>
           </p:cNvSpPr>
@@ -517,8 +521,8 @@
         </p:nvSpPr>
         <p:spPr>
           <a:xfrm>
-            <a:off x="457200" y="1600200"/>
-            <a:ext cx="8229240" cy="4525560"/>
+            <a:off x="457200" y="1604520"/>
+            <a:ext cx="8229240" cy="3977280"/>
           </a:xfrm>
           <a:prstGeom prst="rect">
             <a:avLst/>
@@ -556,7 +560,7 @@
       </p:grpSpPr>
       <p:sp>
         <p:nvSpPr>
-          <p:cNvPr id="46" name="PlaceHolder 1"/>
+          <p:cNvPr id="40" name="PlaceHolder 1"/>
           <p:cNvSpPr>
             <a:spLocks noGrp="1"/>
           </p:cNvSpPr>
@@ -566,8 +570,8 @@
         </p:nvSpPr>
         <p:spPr>
           <a:xfrm>
-            <a:off x="457200" y="274680"/>
-            <a:ext cx="8229240" cy="1142640"/>
+            <a:off x="457200" y="273600"/>
+            <a:ext cx="8229240" cy="1144800"/>
           </a:xfrm>
           <a:prstGeom prst="rect">
             <a:avLst/>
@@ -576,13 +580,14 @@
         <p:txBody>
           <a:bodyPr lIns="0" rIns="0" tIns="0" bIns="0" anchor="ctr"/>
           <a:p>
-            <a:endParaRPr/>
-          </a:p>
-        </p:txBody>
-      </p:sp>
-      <p:sp>
-        <p:nvSpPr>
-          <p:cNvPr id="47" name="PlaceHolder 2"/>
+            <a:pPr algn="ctr"/>
+            <a:endParaRPr/>
+          </a:p>
+        </p:txBody>
+      </p:sp>
+      <p:sp>
+        <p:nvSpPr>
+          <p:cNvPr id="41" name="PlaceHolder 2"/>
           <p:cNvSpPr>
             <a:spLocks noGrp="1"/>
           </p:cNvSpPr>
@@ -592,8 +597,8 @@
         </p:nvSpPr>
         <p:spPr>
           <a:xfrm>
-            <a:off x="457200" y="1600200"/>
-            <a:ext cx="8229240" cy="4525560"/>
+            <a:off x="457200" y="1604520"/>
+            <a:ext cx="8229240" cy="3977280"/>
           </a:xfrm>
           <a:prstGeom prst="rect">
             <a:avLst/>
@@ -630,7 +635,7 @@
       </p:grpSpPr>
       <p:sp>
         <p:nvSpPr>
-          <p:cNvPr id="48" name="PlaceHolder 1"/>
+          <p:cNvPr id="42" name="PlaceHolder 1"/>
           <p:cNvSpPr>
             <a:spLocks noGrp="1"/>
           </p:cNvSpPr>
@@ -640,8 +645,8 @@
         </p:nvSpPr>
         <p:spPr>
           <a:xfrm>
-            <a:off x="457200" y="274680"/>
-            <a:ext cx="8229240" cy="1142640"/>
+            <a:off x="457200" y="273600"/>
+            <a:ext cx="8229240" cy="1144800"/>
           </a:xfrm>
           <a:prstGeom prst="rect">
             <a:avLst/>
@@ -650,13 +655,14 @@
         <p:txBody>
           <a:bodyPr lIns="0" rIns="0" tIns="0" bIns="0" anchor="ctr"/>
           <a:p>
-            <a:endParaRPr/>
-          </a:p>
-        </p:txBody>
-      </p:sp>
-      <p:sp>
-        <p:nvSpPr>
-          <p:cNvPr id="49" name="PlaceHolder 2"/>
+            <a:pPr algn="ctr"/>
+            <a:endParaRPr/>
+          </a:p>
+        </p:txBody>
+      </p:sp>
+      <p:sp>
+        <p:nvSpPr>
+          <p:cNvPr id="43" name="PlaceHolder 2"/>
           <p:cNvSpPr>
             <a:spLocks noGrp="1"/>
           </p:cNvSpPr>
@@ -666,8 +672,8 @@
         </p:nvSpPr>
         <p:spPr>
           <a:xfrm>
-            <a:off x="457200" y="1600200"/>
-            <a:ext cx="4015800" cy="4525560"/>
+            <a:off x="457200" y="1604520"/>
+            <a:ext cx="4015800" cy="3977280"/>
           </a:xfrm>
           <a:prstGeom prst="rect">
             <a:avLst/>
@@ -682,7 +688,7 @@
       </p:sp>
       <p:sp>
         <p:nvSpPr>
-          <p:cNvPr id="50" name="PlaceHolder 3"/>
+          <p:cNvPr id="44" name="PlaceHolder 3"/>
           <p:cNvSpPr>
             <a:spLocks noGrp="1"/>
           </p:cNvSpPr>
@@ -692,8 +698,8 @@
         </p:nvSpPr>
         <p:spPr>
           <a:xfrm>
-            <a:off x="4674240" y="1600200"/>
-            <a:ext cx="4015800" cy="4525560"/>
+            <a:off x="4674240" y="1604520"/>
+            <a:ext cx="4015800" cy="3977280"/>
           </a:xfrm>
           <a:prstGeom prst="rect">
             <a:avLst/>
@@ -730,7 +736,7 @@
       </p:grpSpPr>
       <p:sp>
         <p:nvSpPr>
-          <p:cNvPr id="51" name="PlaceHolder 1"/>
+          <p:cNvPr id="45" name="PlaceHolder 1"/>
           <p:cNvSpPr>
             <a:spLocks noGrp="1"/>
           </p:cNvSpPr>
@@ -740,8 +746,8 @@
         </p:nvSpPr>
         <p:spPr>
           <a:xfrm>
-            <a:off x="457200" y="274680"/>
-            <a:ext cx="8229240" cy="1142640"/>
+            <a:off x="457200" y="273600"/>
+            <a:ext cx="8229240" cy="1144800"/>
           </a:xfrm>
           <a:prstGeom prst="rect">
             <a:avLst/>
@@ -750,6 +756,7 @@
         <p:txBody>
           <a:bodyPr lIns="0" rIns="0" tIns="0" bIns="0" anchor="ctr"/>
           <a:p>
+            <a:pPr algn="ctr"/>
             <a:endParaRPr/>
           </a:p>
         </p:txBody>
@@ -778,7 +785,7 @@
       </p:grpSpPr>
       <p:sp>
         <p:nvSpPr>
-          <p:cNvPr id="52" name="PlaceHolder 1"/>
+          <p:cNvPr id="46" name="PlaceHolder 1"/>
           <p:cNvSpPr>
             <a:spLocks noGrp="1"/>
           </p:cNvSpPr>
@@ -788,8 +795,8 @@
         </p:nvSpPr>
         <p:spPr>
           <a:xfrm>
-            <a:off x="457200" y="274680"/>
-            <a:ext cx="8229240" cy="5297760"/>
+            <a:off x="457200" y="273600"/>
+            <a:ext cx="8229240" cy="5307840"/>
           </a:xfrm>
           <a:prstGeom prst="rect">
             <a:avLst/>
@@ -827,7 +834,7 @@
       </p:grpSpPr>
       <p:sp>
         <p:nvSpPr>
-          <p:cNvPr id="53" name="PlaceHolder 1"/>
+          <p:cNvPr id="47" name="PlaceHolder 1"/>
           <p:cNvSpPr>
             <a:spLocks noGrp="1"/>
           </p:cNvSpPr>
@@ -837,8 +844,8 @@
         </p:nvSpPr>
         <p:spPr>
           <a:xfrm>
-            <a:off x="457200" y="274680"/>
-            <a:ext cx="8229240" cy="1142640"/>
+            <a:off x="457200" y="273600"/>
+            <a:ext cx="8229240" cy="1144800"/>
           </a:xfrm>
           <a:prstGeom prst="rect">
             <a:avLst/>
@@ -847,13 +854,14 @@
         <p:txBody>
           <a:bodyPr lIns="0" rIns="0" tIns="0" bIns="0" anchor="ctr"/>
           <a:p>
-            <a:endParaRPr/>
-          </a:p>
-        </p:txBody>
-      </p:sp>
-      <p:sp>
-        <p:nvSpPr>
-          <p:cNvPr id="54" name="PlaceHolder 2"/>
+            <a:pPr algn="ctr"/>
+            <a:endParaRPr/>
+          </a:p>
+        </p:txBody>
+      </p:sp>
+      <p:sp>
+        <p:nvSpPr>
+          <p:cNvPr id="48" name="PlaceHolder 2"/>
           <p:cNvSpPr>
             <a:spLocks noGrp="1"/>
           </p:cNvSpPr>
@@ -863,8 +871,8 @@
         </p:nvSpPr>
         <p:spPr>
           <a:xfrm>
-            <a:off x="457200" y="1600200"/>
-            <a:ext cx="4015800" cy="2158560"/>
+            <a:off x="457200" y="1604520"/>
+            <a:ext cx="4015800" cy="1896840"/>
           </a:xfrm>
           <a:prstGeom prst="rect">
             <a:avLst/>
@@ -879,7 +887,7 @@
       </p:sp>
       <p:sp>
         <p:nvSpPr>
-          <p:cNvPr id="55" name="PlaceHolder 3"/>
+          <p:cNvPr id="49" name="PlaceHolder 3"/>
           <p:cNvSpPr>
             <a:spLocks noGrp="1"/>
           </p:cNvSpPr>
@@ -889,8 +897,8 @@
         </p:nvSpPr>
         <p:spPr>
           <a:xfrm>
-            <a:off x="457200" y="3964320"/>
-            <a:ext cx="4015800" cy="2158560"/>
+            <a:off x="457200" y="3682080"/>
+            <a:ext cx="4015800" cy="1896840"/>
           </a:xfrm>
           <a:prstGeom prst="rect">
             <a:avLst/>
@@ -905,7 +913,7 @@
       </p:sp>
       <p:sp>
         <p:nvSpPr>
-          <p:cNvPr id="56" name="PlaceHolder 4"/>
+          <p:cNvPr id="50" name="PlaceHolder 4"/>
           <p:cNvSpPr>
             <a:spLocks noGrp="1"/>
           </p:cNvSpPr>
@@ -915,8 +923,8 @@
         </p:nvSpPr>
         <p:spPr>
           <a:xfrm>
-            <a:off x="4674240" y="1600200"/>
-            <a:ext cx="4015800" cy="4525560"/>
+            <a:off x="4674240" y="1604520"/>
+            <a:ext cx="4015800" cy="3977280"/>
           </a:xfrm>
           <a:prstGeom prst="rect">
             <a:avLst/>
@@ -953,7 +961,7 @@
       </p:grpSpPr>
       <p:sp>
         <p:nvSpPr>
-          <p:cNvPr id="5" name="PlaceHolder 1"/>
+          <p:cNvPr id="2" name="PlaceHolder 1"/>
           <p:cNvSpPr>
             <a:spLocks noGrp="1"/>
           </p:cNvSpPr>
@@ -963,8 +971,8 @@
         </p:nvSpPr>
         <p:spPr>
           <a:xfrm>
-            <a:off x="457200" y="274680"/>
-            <a:ext cx="8229240" cy="1142640"/>
+            <a:off x="457200" y="273600"/>
+            <a:ext cx="8229240" cy="1144800"/>
           </a:xfrm>
           <a:prstGeom prst="rect">
             <a:avLst/>
@@ -973,13 +981,14 @@
         <p:txBody>
           <a:bodyPr lIns="0" rIns="0" tIns="0" bIns="0" anchor="ctr"/>
           <a:p>
-            <a:endParaRPr/>
-          </a:p>
-        </p:txBody>
-      </p:sp>
-      <p:sp>
-        <p:nvSpPr>
-          <p:cNvPr id="6" name="PlaceHolder 2"/>
+            <a:pPr algn="ctr"/>
+            <a:endParaRPr/>
+          </a:p>
+        </p:txBody>
+      </p:sp>
+      <p:sp>
+        <p:nvSpPr>
+          <p:cNvPr id="3" name="PlaceHolder 2"/>
           <p:cNvSpPr>
             <a:spLocks noGrp="1"/>
           </p:cNvSpPr>
@@ -989,8 +998,8 @@
         </p:nvSpPr>
         <p:spPr>
           <a:xfrm>
-            <a:off x="457200" y="1600200"/>
-            <a:ext cx="8229240" cy="4525560"/>
+            <a:off x="457200" y="1604520"/>
+            <a:ext cx="8229240" cy="3977280"/>
           </a:xfrm>
           <a:prstGeom prst="rect">
             <a:avLst/>
@@ -1028,7 +1037,7 @@
       </p:grpSpPr>
       <p:sp>
         <p:nvSpPr>
-          <p:cNvPr id="57" name="PlaceHolder 1"/>
+          <p:cNvPr id="51" name="PlaceHolder 1"/>
           <p:cNvSpPr>
             <a:spLocks noGrp="1"/>
           </p:cNvSpPr>
@@ -1038,8 +1047,8 @@
         </p:nvSpPr>
         <p:spPr>
           <a:xfrm>
-            <a:off x="457200" y="274680"/>
-            <a:ext cx="8229240" cy="1142640"/>
+            <a:off x="457200" y="273600"/>
+            <a:ext cx="8229240" cy="1144800"/>
           </a:xfrm>
           <a:prstGeom prst="rect">
             <a:avLst/>
@@ -1048,13 +1057,14 @@
         <p:txBody>
           <a:bodyPr lIns="0" rIns="0" tIns="0" bIns="0" anchor="ctr"/>
           <a:p>
-            <a:endParaRPr/>
-          </a:p>
-        </p:txBody>
-      </p:sp>
-      <p:sp>
-        <p:nvSpPr>
-          <p:cNvPr id="58" name="PlaceHolder 2"/>
+            <a:pPr algn="ctr"/>
+            <a:endParaRPr/>
+          </a:p>
+        </p:txBody>
+      </p:sp>
+      <p:sp>
+        <p:nvSpPr>
+          <p:cNvPr id="52" name="PlaceHolder 2"/>
           <p:cNvSpPr>
             <a:spLocks noGrp="1"/>
           </p:cNvSpPr>
@@ -1064,8 +1074,8 @@
         </p:nvSpPr>
         <p:spPr>
           <a:xfrm>
-            <a:off x="457200" y="1600200"/>
-            <a:ext cx="4015800" cy="4525560"/>
+            <a:off x="457200" y="1604520"/>
+            <a:ext cx="4015800" cy="3977280"/>
           </a:xfrm>
           <a:prstGeom prst="rect">
             <a:avLst/>
@@ -1080,7 +1090,7 @@
       </p:sp>
       <p:sp>
         <p:nvSpPr>
-          <p:cNvPr id="59" name="PlaceHolder 3"/>
+          <p:cNvPr id="53" name="PlaceHolder 3"/>
           <p:cNvSpPr>
             <a:spLocks noGrp="1"/>
           </p:cNvSpPr>
@@ -1090,8 +1100,8 @@
         </p:nvSpPr>
         <p:spPr>
           <a:xfrm>
-            <a:off x="4674240" y="1600200"/>
-            <a:ext cx="4015800" cy="2158560"/>
+            <a:off x="4674240" y="1604520"/>
+            <a:ext cx="4015800" cy="1896840"/>
           </a:xfrm>
           <a:prstGeom prst="rect">
             <a:avLst/>
@@ -1106,7 +1116,7 @@
       </p:sp>
       <p:sp>
         <p:nvSpPr>
-          <p:cNvPr id="60" name="PlaceHolder 4"/>
+          <p:cNvPr id="54" name="PlaceHolder 4"/>
           <p:cNvSpPr>
             <a:spLocks noGrp="1"/>
           </p:cNvSpPr>
@@ -1116,8 +1126,8 @@
         </p:nvSpPr>
         <p:spPr>
           <a:xfrm>
-            <a:off x="4674240" y="3964320"/>
-            <a:ext cx="4015800" cy="2158560"/>
+            <a:off x="4674240" y="3682080"/>
+            <a:ext cx="4015800" cy="1896840"/>
           </a:xfrm>
           <a:prstGeom prst="rect">
             <a:avLst/>
@@ -1154,7 +1164,7 @@
       </p:grpSpPr>
       <p:sp>
         <p:nvSpPr>
-          <p:cNvPr id="61" name="PlaceHolder 1"/>
+          <p:cNvPr id="55" name="PlaceHolder 1"/>
           <p:cNvSpPr>
             <a:spLocks noGrp="1"/>
           </p:cNvSpPr>
@@ -1164,8 +1174,8 @@
         </p:nvSpPr>
         <p:spPr>
           <a:xfrm>
-            <a:off x="457200" y="274680"/>
-            <a:ext cx="8229240" cy="1142640"/>
+            <a:off x="457200" y="273600"/>
+            <a:ext cx="8229240" cy="1144800"/>
           </a:xfrm>
           <a:prstGeom prst="rect">
             <a:avLst/>
@@ -1174,13 +1184,14 @@
         <p:txBody>
           <a:bodyPr lIns="0" rIns="0" tIns="0" bIns="0" anchor="ctr"/>
           <a:p>
-            <a:endParaRPr/>
-          </a:p>
-        </p:txBody>
-      </p:sp>
-      <p:sp>
-        <p:nvSpPr>
-          <p:cNvPr id="62" name="PlaceHolder 2"/>
+            <a:pPr algn="ctr"/>
+            <a:endParaRPr/>
+          </a:p>
+        </p:txBody>
+      </p:sp>
+      <p:sp>
+        <p:nvSpPr>
+          <p:cNvPr id="56" name="PlaceHolder 2"/>
           <p:cNvSpPr>
             <a:spLocks noGrp="1"/>
           </p:cNvSpPr>
@@ -1190,8 +1201,8 @@
         </p:nvSpPr>
         <p:spPr>
           <a:xfrm>
-            <a:off x="457200" y="1600200"/>
-            <a:ext cx="4015800" cy="2158560"/>
+            <a:off x="457200" y="1604520"/>
+            <a:ext cx="4015800" cy="1896840"/>
           </a:xfrm>
           <a:prstGeom prst="rect">
             <a:avLst/>
@@ -1206,7 +1217,7 @@
       </p:sp>
       <p:sp>
         <p:nvSpPr>
-          <p:cNvPr id="63" name="PlaceHolder 3"/>
+          <p:cNvPr id="57" name="PlaceHolder 3"/>
           <p:cNvSpPr>
             <a:spLocks noGrp="1"/>
           </p:cNvSpPr>
@@ -1216,8 +1227,8 @@
         </p:nvSpPr>
         <p:spPr>
           <a:xfrm>
-            <a:off x="4674240" y="1600200"/>
-            <a:ext cx="4015800" cy="2158560"/>
+            <a:off x="4674240" y="1604520"/>
+            <a:ext cx="4015800" cy="1896840"/>
           </a:xfrm>
           <a:prstGeom prst="rect">
             <a:avLst/>
@@ -1232,7 +1243,7 @@
       </p:sp>
       <p:sp>
         <p:nvSpPr>
-          <p:cNvPr id="64" name="PlaceHolder 4"/>
+          <p:cNvPr id="58" name="PlaceHolder 4"/>
           <p:cNvSpPr>
             <a:spLocks noGrp="1"/>
           </p:cNvSpPr>
@@ -1242,8 +1253,8 @@
         </p:nvSpPr>
         <p:spPr>
           <a:xfrm>
-            <a:off x="457200" y="3964320"/>
-            <a:ext cx="8229240" cy="2158560"/>
+            <a:off x="457200" y="3682080"/>
+            <a:ext cx="8229240" cy="1896840"/>
           </a:xfrm>
           <a:prstGeom prst="rect">
             <a:avLst/>
@@ -1280,7 +1291,7 @@
       </p:grpSpPr>
       <p:sp>
         <p:nvSpPr>
-          <p:cNvPr id="65" name="PlaceHolder 1"/>
+          <p:cNvPr id="59" name="PlaceHolder 1"/>
           <p:cNvSpPr>
             <a:spLocks noGrp="1"/>
           </p:cNvSpPr>
@@ -1290,8 +1301,8 @@
         </p:nvSpPr>
         <p:spPr>
           <a:xfrm>
-            <a:off x="457200" y="274680"/>
-            <a:ext cx="8229240" cy="1142640"/>
+            <a:off x="457200" y="273600"/>
+            <a:ext cx="8229240" cy="1144800"/>
           </a:xfrm>
           <a:prstGeom prst="rect">
             <a:avLst/>
@@ -1300,13 +1311,14 @@
         <p:txBody>
           <a:bodyPr lIns="0" rIns="0" tIns="0" bIns="0" anchor="ctr"/>
           <a:p>
-            <a:endParaRPr/>
-          </a:p>
-        </p:txBody>
-      </p:sp>
-      <p:sp>
-        <p:nvSpPr>
-          <p:cNvPr id="66" name="PlaceHolder 2"/>
+            <a:pPr algn="ctr"/>
+            <a:endParaRPr/>
+          </a:p>
+        </p:txBody>
+      </p:sp>
+      <p:sp>
+        <p:nvSpPr>
+          <p:cNvPr id="60" name="PlaceHolder 2"/>
           <p:cNvSpPr>
             <a:spLocks noGrp="1"/>
           </p:cNvSpPr>
@@ -1316,8 +1328,8 @@
         </p:nvSpPr>
         <p:spPr>
           <a:xfrm>
-            <a:off x="457200" y="1600200"/>
-            <a:ext cx="8229240" cy="2158560"/>
+            <a:off x="457200" y="1604520"/>
+            <a:ext cx="8229240" cy="1896840"/>
           </a:xfrm>
           <a:prstGeom prst="rect">
             <a:avLst/>
@@ -1332,7 +1344,7 @@
       </p:sp>
       <p:sp>
         <p:nvSpPr>
-          <p:cNvPr id="67" name="PlaceHolder 3"/>
+          <p:cNvPr id="61" name="PlaceHolder 3"/>
           <p:cNvSpPr>
             <a:spLocks noGrp="1"/>
           </p:cNvSpPr>
@@ -1342,8 +1354,8 @@
         </p:nvSpPr>
         <p:spPr>
           <a:xfrm>
-            <a:off x="457200" y="3964320"/>
-            <a:ext cx="8229240" cy="2158560"/>
+            <a:off x="457200" y="3682080"/>
+            <a:ext cx="8229240" cy="1896840"/>
           </a:xfrm>
           <a:prstGeom prst="rect">
             <a:avLst/>
@@ -1380,7 +1392,7 @@
       </p:grpSpPr>
       <p:sp>
         <p:nvSpPr>
-          <p:cNvPr id="68" name="PlaceHolder 1"/>
+          <p:cNvPr id="62" name="PlaceHolder 1"/>
           <p:cNvSpPr>
             <a:spLocks noGrp="1"/>
           </p:cNvSpPr>
@@ -1390,8 +1402,8 @@
         </p:nvSpPr>
         <p:spPr>
           <a:xfrm>
-            <a:off x="457200" y="274680"/>
-            <a:ext cx="8229240" cy="1142640"/>
+            <a:off x="457200" y="273600"/>
+            <a:ext cx="8229240" cy="1144800"/>
           </a:xfrm>
           <a:prstGeom prst="rect">
             <a:avLst/>
@@ -1400,13 +1412,14 @@
         <p:txBody>
           <a:bodyPr lIns="0" rIns="0" tIns="0" bIns="0" anchor="ctr"/>
           <a:p>
-            <a:endParaRPr/>
-          </a:p>
-        </p:txBody>
-      </p:sp>
-      <p:sp>
-        <p:nvSpPr>
-          <p:cNvPr id="69" name="PlaceHolder 2"/>
+            <a:pPr algn="ctr"/>
+            <a:endParaRPr/>
+          </a:p>
+        </p:txBody>
+      </p:sp>
+      <p:sp>
+        <p:nvSpPr>
+          <p:cNvPr id="63" name="PlaceHolder 2"/>
           <p:cNvSpPr>
             <a:spLocks noGrp="1"/>
           </p:cNvSpPr>
@@ -1416,8 +1429,8 @@
         </p:nvSpPr>
         <p:spPr>
           <a:xfrm>
-            <a:off x="457200" y="1600200"/>
-            <a:ext cx="4015800" cy="2158560"/>
+            <a:off x="457200" y="1604520"/>
+            <a:ext cx="4015800" cy="1896840"/>
           </a:xfrm>
           <a:prstGeom prst="rect">
             <a:avLst/>
@@ -1432,7 +1445,7 @@
       </p:sp>
       <p:sp>
         <p:nvSpPr>
-          <p:cNvPr id="70" name="PlaceHolder 3"/>
+          <p:cNvPr id="64" name="PlaceHolder 3"/>
           <p:cNvSpPr>
             <a:spLocks noGrp="1"/>
           </p:cNvSpPr>
@@ -1442,8 +1455,8 @@
         </p:nvSpPr>
         <p:spPr>
           <a:xfrm>
-            <a:off x="4674240" y="1600200"/>
-            <a:ext cx="4015800" cy="2158560"/>
+            <a:off x="4674240" y="1604520"/>
+            <a:ext cx="4015800" cy="1896840"/>
           </a:xfrm>
           <a:prstGeom prst="rect">
             <a:avLst/>
@@ -1458,7 +1471,7 @@
       </p:sp>
       <p:sp>
         <p:nvSpPr>
-          <p:cNvPr id="71" name="PlaceHolder 4"/>
+          <p:cNvPr id="65" name="PlaceHolder 4"/>
           <p:cNvSpPr>
             <a:spLocks noGrp="1"/>
           </p:cNvSpPr>
@@ -1468,8 +1481,8 @@
         </p:nvSpPr>
         <p:spPr>
           <a:xfrm>
-            <a:off x="4674240" y="3964320"/>
-            <a:ext cx="4015800" cy="2158560"/>
+            <a:off x="4674240" y="3682080"/>
+            <a:ext cx="4015800" cy="1896840"/>
           </a:xfrm>
           <a:prstGeom prst="rect">
             <a:avLst/>
@@ -1484,7 +1497,7 @@
       </p:sp>
       <p:sp>
         <p:nvSpPr>
-          <p:cNvPr id="72" name="PlaceHolder 5"/>
+          <p:cNvPr id="66" name="PlaceHolder 5"/>
           <p:cNvSpPr>
             <a:spLocks noGrp="1"/>
           </p:cNvSpPr>
@@ -1494,8 +1507,8 @@
         </p:nvSpPr>
         <p:spPr>
           <a:xfrm>
-            <a:off x="457200" y="3964320"/>
-            <a:ext cx="4015800" cy="2158560"/>
+            <a:off x="457200" y="3682080"/>
+            <a:ext cx="4015800" cy="1896840"/>
           </a:xfrm>
           <a:prstGeom prst="rect">
             <a:avLst/>
@@ -1532,7 +1545,7 @@
       </p:grpSpPr>
       <p:sp>
         <p:nvSpPr>
-          <p:cNvPr id="73" name="PlaceHolder 1"/>
+          <p:cNvPr id="67" name="PlaceHolder 1"/>
           <p:cNvSpPr>
             <a:spLocks noGrp="1"/>
           </p:cNvSpPr>
@@ -1542,8 +1555,8 @@
         </p:nvSpPr>
         <p:spPr>
           <a:xfrm>
-            <a:off x="457200" y="274680"/>
-            <a:ext cx="8229240" cy="1142640"/>
+            <a:off x="457200" y="273600"/>
+            <a:ext cx="8229240" cy="1144800"/>
           </a:xfrm>
           <a:prstGeom prst="rect">
             <a:avLst/>
@@ -1552,13 +1565,14 @@
         <p:txBody>
           <a:bodyPr lIns="0" rIns="0" tIns="0" bIns="0" anchor="ctr"/>
           <a:p>
-            <a:endParaRPr/>
-          </a:p>
-        </p:txBody>
-      </p:sp>
-      <p:sp>
-        <p:nvSpPr>
-          <p:cNvPr id="74" name="PlaceHolder 2"/>
+            <a:pPr algn="ctr"/>
+            <a:endParaRPr/>
+          </a:p>
+        </p:txBody>
+      </p:sp>
+      <p:sp>
+        <p:nvSpPr>
+          <p:cNvPr id="68" name="PlaceHolder 2"/>
           <p:cNvSpPr>
             <a:spLocks noGrp="1"/>
           </p:cNvSpPr>
@@ -1568,8 +1582,8 @@
         </p:nvSpPr>
         <p:spPr>
           <a:xfrm>
-            <a:off x="457200" y="1600200"/>
-            <a:ext cx="8229240" cy="4525560"/>
+            <a:off x="457200" y="1604520"/>
+            <a:ext cx="8229240" cy="3977280"/>
           </a:xfrm>
           <a:prstGeom prst="rect">
             <a:avLst/>
@@ -1584,7 +1598,7 @@
       </p:sp>
       <p:sp>
         <p:nvSpPr>
-          <p:cNvPr id="75" name="PlaceHolder 3"/>
+          <p:cNvPr id="69" name="PlaceHolder 3"/>
           <p:cNvSpPr>
             <a:spLocks noGrp="1"/>
           </p:cNvSpPr>
@@ -1594,8 +1608,8 @@
         </p:nvSpPr>
         <p:spPr>
           <a:xfrm>
-            <a:off x="457200" y="1600200"/>
-            <a:ext cx="8229240" cy="4525560"/>
+            <a:off x="457200" y="1604520"/>
+            <a:ext cx="8229240" cy="3977280"/>
           </a:xfrm>
           <a:prstGeom prst="rect">
             <a:avLst/>
@@ -1610,7 +1624,7 @@
       </p:sp>
       <p:pic>
         <p:nvPicPr>
-          <p:cNvPr id="76" name="" descr=""/>
+          <p:cNvPr id="70" name="" descr=""/>
           <p:cNvPicPr/>
           <p:nvPr/>
         </p:nvPicPr>
@@ -1620,8 +1634,8 @@
         </p:blipFill>
         <p:spPr>
           <a:xfrm>
-            <a:off x="1735560" y="1599840"/>
-            <a:ext cx="5671800" cy="4525560"/>
+            <a:off x="2079000" y="1604520"/>
+            <a:ext cx="4984920" cy="3977280"/>
           </a:xfrm>
           <a:prstGeom prst="rect">
             <a:avLst/>
@@ -1633,7 +1647,7 @@
       </p:pic>
       <p:pic>
         <p:nvPicPr>
-          <p:cNvPr id="77" name="" descr=""/>
+          <p:cNvPr id="71" name="" descr=""/>
           <p:cNvPicPr/>
           <p:nvPr/>
         </p:nvPicPr>
@@ -1643,8 +1657,8 @@
         </p:blipFill>
         <p:spPr>
           <a:xfrm>
-            <a:off x="1735560" y="1599840"/>
-            <a:ext cx="5671800" cy="4525560"/>
+            <a:off x="2079000" y="1604520"/>
+            <a:ext cx="4984920" cy="3977280"/>
           </a:xfrm>
           <a:prstGeom prst="rect">
             <a:avLst/>
@@ -1678,7 +1692,7 @@
       </p:grpSpPr>
       <p:sp>
         <p:nvSpPr>
-          <p:cNvPr id="7" name="PlaceHolder 1"/>
+          <p:cNvPr id="4" name="PlaceHolder 1"/>
           <p:cNvSpPr>
             <a:spLocks noGrp="1"/>
           </p:cNvSpPr>
@@ -1688,8 +1702,8 @@
         </p:nvSpPr>
         <p:spPr>
           <a:xfrm>
-            <a:off x="457200" y="274680"/>
-            <a:ext cx="8229240" cy="1142640"/>
+            <a:off x="457200" y="273600"/>
+            <a:ext cx="8229240" cy="1144800"/>
           </a:xfrm>
           <a:prstGeom prst="rect">
             <a:avLst/>
@@ -1698,13 +1712,14 @@
         <p:txBody>
           <a:bodyPr lIns="0" rIns="0" tIns="0" bIns="0" anchor="ctr"/>
           <a:p>
-            <a:endParaRPr/>
-          </a:p>
-        </p:txBody>
-      </p:sp>
-      <p:sp>
-        <p:nvSpPr>
-          <p:cNvPr id="8" name="PlaceHolder 2"/>
+            <a:pPr algn="ctr"/>
+            <a:endParaRPr/>
+          </a:p>
+        </p:txBody>
+      </p:sp>
+      <p:sp>
+        <p:nvSpPr>
+          <p:cNvPr id="5" name="PlaceHolder 2"/>
           <p:cNvSpPr>
             <a:spLocks noGrp="1"/>
           </p:cNvSpPr>
@@ -1714,8 +1729,8 @@
         </p:nvSpPr>
         <p:spPr>
           <a:xfrm>
-            <a:off x="457200" y="1600200"/>
-            <a:ext cx="8229240" cy="4525560"/>
+            <a:off x="457200" y="1604520"/>
+            <a:ext cx="8229240" cy="3977280"/>
           </a:xfrm>
           <a:prstGeom prst="rect">
             <a:avLst/>
@@ -1752,7 +1767,7 @@
       </p:grpSpPr>
       <p:sp>
         <p:nvSpPr>
-          <p:cNvPr id="9" name="PlaceHolder 1"/>
+          <p:cNvPr id="6" name="PlaceHolder 1"/>
           <p:cNvSpPr>
             <a:spLocks noGrp="1"/>
           </p:cNvSpPr>
@@ -1762,8 +1777,8 @@
         </p:nvSpPr>
         <p:spPr>
           <a:xfrm>
-            <a:off x="457200" y="274680"/>
-            <a:ext cx="8229240" cy="1142640"/>
+            <a:off x="457200" y="273600"/>
+            <a:ext cx="8229240" cy="1144800"/>
           </a:xfrm>
           <a:prstGeom prst="rect">
             <a:avLst/>
@@ -1772,13 +1787,14 @@
         <p:txBody>
           <a:bodyPr lIns="0" rIns="0" tIns="0" bIns="0" anchor="ctr"/>
           <a:p>
-            <a:endParaRPr/>
-          </a:p>
-        </p:txBody>
-      </p:sp>
-      <p:sp>
-        <p:nvSpPr>
-          <p:cNvPr id="10" name="PlaceHolder 2"/>
+            <a:pPr algn="ctr"/>
+            <a:endParaRPr/>
+          </a:p>
+        </p:txBody>
+      </p:sp>
+      <p:sp>
+        <p:nvSpPr>
+          <p:cNvPr id="7" name="PlaceHolder 2"/>
           <p:cNvSpPr>
             <a:spLocks noGrp="1"/>
           </p:cNvSpPr>
@@ -1788,8 +1804,8 @@
         </p:nvSpPr>
         <p:spPr>
           <a:xfrm>
-            <a:off x="457200" y="1600200"/>
-            <a:ext cx="4015800" cy="4525560"/>
+            <a:off x="457200" y="1604520"/>
+            <a:ext cx="4015800" cy="3977280"/>
           </a:xfrm>
           <a:prstGeom prst="rect">
             <a:avLst/>
@@ -1804,7 +1820,7 @@
       </p:sp>
       <p:sp>
         <p:nvSpPr>
-          <p:cNvPr id="11" name="PlaceHolder 3"/>
+          <p:cNvPr id="8" name="PlaceHolder 3"/>
           <p:cNvSpPr>
             <a:spLocks noGrp="1"/>
           </p:cNvSpPr>
@@ -1814,8 +1830,8 @@
         </p:nvSpPr>
         <p:spPr>
           <a:xfrm>
-            <a:off x="4674240" y="1600200"/>
-            <a:ext cx="4015800" cy="4525560"/>
+            <a:off x="4674240" y="1604520"/>
+            <a:ext cx="4015800" cy="3977280"/>
           </a:xfrm>
           <a:prstGeom prst="rect">
             <a:avLst/>
@@ -1852,7 +1868,7 @@
       </p:grpSpPr>
       <p:sp>
         <p:nvSpPr>
-          <p:cNvPr id="12" name="PlaceHolder 1"/>
+          <p:cNvPr id="9" name="PlaceHolder 1"/>
           <p:cNvSpPr>
             <a:spLocks noGrp="1"/>
           </p:cNvSpPr>
@@ -1862,8 +1878,8 @@
         </p:nvSpPr>
         <p:spPr>
           <a:xfrm>
-            <a:off x="457200" y="274680"/>
-            <a:ext cx="8229240" cy="1142640"/>
+            <a:off x="457200" y="273600"/>
+            <a:ext cx="8229240" cy="1144800"/>
           </a:xfrm>
           <a:prstGeom prst="rect">
             <a:avLst/>
@@ -1872,6 +1888,7 @@
         <p:txBody>
           <a:bodyPr lIns="0" rIns="0" tIns="0" bIns="0" anchor="ctr"/>
           <a:p>
+            <a:pPr algn="ctr"/>
             <a:endParaRPr/>
           </a:p>
         </p:txBody>
@@ -1900,7 +1917,7 @@
       </p:grpSpPr>
       <p:sp>
         <p:nvSpPr>
-          <p:cNvPr id="13" name="PlaceHolder 1"/>
+          <p:cNvPr id="10" name="PlaceHolder 1"/>
           <p:cNvSpPr>
             <a:spLocks noGrp="1"/>
           </p:cNvSpPr>
@@ -1910,8 +1927,8 @@
         </p:nvSpPr>
         <p:spPr>
           <a:xfrm>
-            <a:off x="457200" y="274680"/>
-            <a:ext cx="8229240" cy="5297760"/>
+            <a:off x="457200" y="273600"/>
+            <a:ext cx="8229240" cy="5307840"/>
           </a:xfrm>
           <a:prstGeom prst="rect">
             <a:avLst/>
@@ -1949,7 +1966,7 @@
       </p:grpSpPr>
       <p:sp>
         <p:nvSpPr>
-          <p:cNvPr id="14" name="PlaceHolder 1"/>
+          <p:cNvPr id="11" name="PlaceHolder 1"/>
           <p:cNvSpPr>
             <a:spLocks noGrp="1"/>
           </p:cNvSpPr>
@@ -1959,8 +1976,8 @@
         </p:nvSpPr>
         <p:spPr>
           <a:xfrm>
-            <a:off x="457200" y="274680"/>
-            <a:ext cx="8229240" cy="1142640"/>
+            <a:off x="457200" y="273600"/>
+            <a:ext cx="8229240" cy="1144800"/>
           </a:xfrm>
           <a:prstGeom prst="rect">
             <a:avLst/>
@@ -1969,13 +1986,14 @@
         <p:txBody>
           <a:bodyPr lIns="0" rIns="0" tIns="0" bIns="0" anchor="ctr"/>
           <a:p>
-            <a:endParaRPr/>
-          </a:p>
-        </p:txBody>
-      </p:sp>
-      <p:sp>
-        <p:nvSpPr>
-          <p:cNvPr id="15" name="PlaceHolder 2"/>
+            <a:pPr algn="ctr"/>
+            <a:endParaRPr/>
+          </a:p>
+        </p:txBody>
+      </p:sp>
+      <p:sp>
+        <p:nvSpPr>
+          <p:cNvPr id="12" name="PlaceHolder 2"/>
           <p:cNvSpPr>
             <a:spLocks noGrp="1"/>
           </p:cNvSpPr>
@@ -1985,8 +2003,8 @@
         </p:nvSpPr>
         <p:spPr>
           <a:xfrm>
-            <a:off x="457200" y="1600200"/>
-            <a:ext cx="4015800" cy="2158560"/>
+            <a:off x="457200" y="1604520"/>
+            <a:ext cx="4015800" cy="1896840"/>
           </a:xfrm>
           <a:prstGeom prst="rect">
             <a:avLst/>
@@ -2001,7 +2019,7 @@
       </p:sp>
       <p:sp>
         <p:nvSpPr>
-          <p:cNvPr id="16" name="PlaceHolder 3"/>
+          <p:cNvPr id="13" name="PlaceHolder 3"/>
           <p:cNvSpPr>
             <a:spLocks noGrp="1"/>
           </p:cNvSpPr>
@@ -2011,8 +2029,8 @@
         </p:nvSpPr>
         <p:spPr>
           <a:xfrm>
-            <a:off x="457200" y="3964320"/>
-            <a:ext cx="4015800" cy="2158560"/>
+            <a:off x="457200" y="3682080"/>
+            <a:ext cx="4015800" cy="1896840"/>
           </a:xfrm>
           <a:prstGeom prst="rect">
             <a:avLst/>
@@ -2027,7 +2045,7 @@
       </p:sp>
       <p:sp>
         <p:nvSpPr>
-          <p:cNvPr id="17" name="PlaceHolder 4"/>
+          <p:cNvPr id="14" name="PlaceHolder 4"/>
           <p:cNvSpPr>
             <a:spLocks noGrp="1"/>
           </p:cNvSpPr>
@@ -2037,8 +2055,8 @@
         </p:nvSpPr>
         <p:spPr>
           <a:xfrm>
-            <a:off x="4674240" y="1600200"/>
-            <a:ext cx="4015800" cy="4525560"/>
+            <a:off x="4674240" y="1604520"/>
+            <a:ext cx="4015800" cy="3977280"/>
           </a:xfrm>
           <a:prstGeom prst="rect">
             <a:avLst/>
@@ -2075,7 +2093,7 @@
       </p:grpSpPr>
       <p:sp>
         <p:nvSpPr>
-          <p:cNvPr id="18" name="PlaceHolder 1"/>
+          <p:cNvPr id="15" name="PlaceHolder 1"/>
           <p:cNvSpPr>
             <a:spLocks noGrp="1"/>
           </p:cNvSpPr>
@@ -2085,8 +2103,8 @@
         </p:nvSpPr>
         <p:spPr>
           <a:xfrm>
-            <a:off x="457200" y="274680"/>
-            <a:ext cx="8229240" cy="1142640"/>
+            <a:off x="457200" y="273600"/>
+            <a:ext cx="8229240" cy="1144800"/>
           </a:xfrm>
           <a:prstGeom prst="rect">
             <a:avLst/>
@@ -2095,13 +2113,14 @@
         <p:txBody>
           <a:bodyPr lIns="0" rIns="0" tIns="0" bIns="0" anchor="ctr"/>
           <a:p>
-            <a:endParaRPr/>
-          </a:p>
-        </p:txBody>
-      </p:sp>
-      <p:sp>
-        <p:nvSpPr>
-          <p:cNvPr id="19" name="PlaceHolder 2"/>
+            <a:pPr algn="ctr"/>
+            <a:endParaRPr/>
+          </a:p>
+        </p:txBody>
+      </p:sp>
+      <p:sp>
+        <p:nvSpPr>
+          <p:cNvPr id="16" name="PlaceHolder 2"/>
           <p:cNvSpPr>
             <a:spLocks noGrp="1"/>
           </p:cNvSpPr>
@@ -2111,8 +2130,8 @@
         </p:nvSpPr>
         <p:spPr>
           <a:xfrm>
-            <a:off x="457200" y="1600200"/>
-            <a:ext cx="4015800" cy="4525560"/>
+            <a:off x="457200" y="1604520"/>
+            <a:ext cx="4015800" cy="3977280"/>
           </a:xfrm>
           <a:prstGeom prst="rect">
             <a:avLst/>
@@ -2127,7 +2146,7 @@
       </p:sp>
       <p:sp>
         <p:nvSpPr>
-          <p:cNvPr id="20" name="PlaceHolder 3"/>
+          <p:cNvPr id="17" name="PlaceHolder 3"/>
           <p:cNvSpPr>
             <a:spLocks noGrp="1"/>
           </p:cNvSpPr>
@@ -2137,8 +2156,8 @@
         </p:nvSpPr>
         <p:spPr>
           <a:xfrm>
-            <a:off x="4674240" y="1600200"/>
-            <a:ext cx="4015800" cy="2158560"/>
+            <a:off x="4674240" y="1604520"/>
+            <a:ext cx="4015800" cy="1896840"/>
           </a:xfrm>
           <a:prstGeom prst="rect">
             <a:avLst/>
@@ -2153,7 +2172,7 @@
       </p:sp>
       <p:sp>
         <p:nvSpPr>
-          <p:cNvPr id="21" name="PlaceHolder 4"/>
+          <p:cNvPr id="18" name="PlaceHolder 4"/>
           <p:cNvSpPr>
             <a:spLocks noGrp="1"/>
           </p:cNvSpPr>
@@ -2163,8 +2182,8 @@
         </p:nvSpPr>
         <p:spPr>
           <a:xfrm>
-            <a:off x="4674240" y="3964320"/>
-            <a:ext cx="4015800" cy="2158560"/>
+            <a:off x="4674240" y="3682080"/>
+            <a:ext cx="4015800" cy="1896840"/>
           </a:xfrm>
           <a:prstGeom prst="rect">
             <a:avLst/>
@@ -2201,7 +2220,7 @@
       </p:grpSpPr>
       <p:sp>
         <p:nvSpPr>
-          <p:cNvPr id="22" name="PlaceHolder 1"/>
+          <p:cNvPr id="19" name="PlaceHolder 1"/>
           <p:cNvSpPr>
             <a:spLocks noGrp="1"/>
           </p:cNvSpPr>
@@ -2211,8 +2230,8 @@
         </p:nvSpPr>
         <p:spPr>
           <a:xfrm>
-            <a:off x="457200" y="274680"/>
-            <a:ext cx="8229240" cy="1142640"/>
+            <a:off x="457200" y="273600"/>
+            <a:ext cx="8229240" cy="1144800"/>
           </a:xfrm>
           <a:prstGeom prst="rect">
             <a:avLst/>
@@ -2221,13 +2240,14 @@
         <p:txBody>
           <a:bodyPr lIns="0" rIns="0" tIns="0" bIns="0" anchor="ctr"/>
           <a:p>
-            <a:endParaRPr/>
-          </a:p>
-        </p:txBody>
-      </p:sp>
-      <p:sp>
-        <p:nvSpPr>
-          <p:cNvPr id="23" name="PlaceHolder 2"/>
+            <a:pPr algn="ctr"/>
+            <a:endParaRPr/>
+          </a:p>
+        </p:txBody>
+      </p:sp>
+      <p:sp>
+        <p:nvSpPr>
+          <p:cNvPr id="20" name="PlaceHolder 2"/>
           <p:cNvSpPr>
             <a:spLocks noGrp="1"/>
           </p:cNvSpPr>
@@ -2237,8 +2257,8 @@
         </p:nvSpPr>
         <p:spPr>
           <a:xfrm>
-            <a:off x="457200" y="1600200"/>
-            <a:ext cx="4015800" cy="2158560"/>
+            <a:off x="457200" y="1604520"/>
+            <a:ext cx="4015800" cy="1896840"/>
           </a:xfrm>
           <a:prstGeom prst="rect">
             <a:avLst/>
@@ -2253,7 +2273,7 @@
       </p:sp>
       <p:sp>
         <p:nvSpPr>
-          <p:cNvPr id="24" name="PlaceHolder 3"/>
+          <p:cNvPr id="21" name="PlaceHolder 3"/>
           <p:cNvSpPr>
             <a:spLocks noGrp="1"/>
           </p:cNvSpPr>
@@ -2263,8 +2283,8 @@
         </p:nvSpPr>
         <p:spPr>
           <a:xfrm>
-            <a:off x="4674240" y="1600200"/>
-            <a:ext cx="4015800" cy="2158560"/>
+            <a:off x="4674240" y="1604520"/>
+            <a:ext cx="4015800" cy="1896840"/>
           </a:xfrm>
           <a:prstGeom prst="rect">
             <a:avLst/>
@@ -2279,7 +2299,7 @@
       </p:sp>
       <p:sp>
         <p:nvSpPr>
-          <p:cNvPr id="25" name="PlaceHolder 4"/>
+          <p:cNvPr id="22" name="PlaceHolder 4"/>
           <p:cNvSpPr>
             <a:spLocks noGrp="1"/>
           </p:cNvSpPr>
@@ -2289,8 +2309,8 @@
         </p:nvSpPr>
         <p:spPr>
           <a:xfrm>
-            <a:off x="457200" y="3964320"/>
-            <a:ext cx="8229240" cy="2158560"/>
+            <a:off x="457200" y="3682080"/>
+            <a:ext cx="8229240" cy="1896840"/>
           </a:xfrm>
           <a:prstGeom prst="rect">
             <a:avLst/>
@@ -2347,29 +2367,21 @@
         </p:nvSpPr>
         <p:spPr>
           <a:xfrm>
-            <a:off x="685800" y="2130480"/>
-            <a:ext cx="7772040" cy="1469520"/>
-          </a:xfrm>
-          <a:prstGeom prst="rect">
-            <a:avLst/>
-          </a:prstGeom>
-        </p:spPr>
-        <p:txBody>
-          <a:bodyPr anchor="ctr"/>
-          <a:p>
-            <a:pPr algn="ctr">
-              <a:lnSpc>
-                <a:spcPct val="100000"/>
-              </a:lnSpc>
-            </a:pPr>
+            <a:off x="457200" y="274680"/>
+            <a:ext cx="8228880" cy="1142280"/>
+          </a:xfrm>
+          <a:prstGeom prst="rect">
+            <a:avLst/>
+          </a:prstGeom>
+        </p:spPr>
+        <p:txBody>
+          <a:bodyPr lIns="0" rIns="0" tIns="0" bIns="0" anchor="ctr"/>
+          <a:p>
             <a:r>
-              <a:rPr lang="bg-BG" sz="4400" strike="noStrike">
-                <a:solidFill>
-                  <a:srgbClr val="000000"/>
-                </a:solidFill>
-                <a:latin typeface="Calibri"/>
+              <a:rPr lang="en-US">
+                <a:latin typeface="Arial"/>
               </a:rPr>
-              <a:t>Click to edit the title text formatClick to edit Master title style</a:t>
+              <a:t>Click to edit the title text format</a:t>
             </a:r>
             <a:endParaRPr/>
           </a:p>
@@ -2378,112 +2390,6 @@
       <p:sp>
         <p:nvSpPr>
           <p:cNvPr id="1" name="PlaceHolder 2"/>
-          <p:cNvSpPr>
-            <a:spLocks noGrp="1"/>
-          </p:cNvSpPr>
-          <p:nvPr>
-            <p:ph type="dt"/>
-          </p:nvPr>
-        </p:nvSpPr>
-        <p:spPr>
-          <a:xfrm>
-            <a:off x="457200" y="6356520"/>
-            <a:ext cx="2133360" cy="364680"/>
-          </a:xfrm>
-          <a:prstGeom prst="rect">
-            <a:avLst/>
-          </a:prstGeom>
-        </p:spPr>
-        <p:txBody>
-          <a:bodyPr anchor="ctr"/>
-          <a:p>
-            <a:pPr>
-              <a:lnSpc>
-                <a:spcPct val="100000"/>
-              </a:lnSpc>
-            </a:pPr>
-            <a:r>
-              <a:rPr lang="en-US" sz="1200" strike="noStrike">
-                <a:solidFill>
-                  <a:srgbClr val="8b8b8b"/>
-                </a:solidFill>
-                <a:latin typeface="Calibri"/>
-              </a:rPr>
-              <a:t>4/27/15</a:t>
-            </a:r>
-            <a:endParaRPr/>
-          </a:p>
-        </p:txBody>
-      </p:sp>
-      <p:sp>
-        <p:nvSpPr>
-          <p:cNvPr id="2" name="PlaceHolder 3"/>
-          <p:cNvSpPr>
-            <a:spLocks noGrp="1"/>
-          </p:cNvSpPr>
-          <p:nvPr>
-            <p:ph type="ftr"/>
-          </p:nvPr>
-        </p:nvSpPr>
-        <p:spPr>
-          <a:xfrm>
-            <a:off x="3124080" y="6356520"/>
-            <a:ext cx="2895120" cy="364680"/>
-          </a:xfrm>
-          <a:prstGeom prst="rect">
-            <a:avLst/>
-          </a:prstGeom>
-        </p:spPr>
-        <p:txBody>
-          <a:bodyPr anchor="ctr"/>
-          <a:p>
-            <a:endParaRPr/>
-          </a:p>
-        </p:txBody>
-      </p:sp>
-      <p:sp>
-        <p:nvSpPr>
-          <p:cNvPr id="3" name="PlaceHolder 4"/>
-          <p:cNvSpPr>
-            <a:spLocks noGrp="1"/>
-          </p:cNvSpPr>
-          <p:nvPr>
-            <p:ph type="sldNum"/>
-          </p:nvPr>
-        </p:nvSpPr>
-        <p:spPr>
-          <a:xfrm>
-            <a:off x="6553080" y="6356520"/>
-            <a:ext cx="2133360" cy="364680"/>
-          </a:xfrm>
-          <a:prstGeom prst="rect">
-            <a:avLst/>
-          </a:prstGeom>
-        </p:spPr>
-        <p:txBody>
-          <a:bodyPr anchor="ctr"/>
-          <a:p>
-            <a:pPr algn="r">
-              <a:lnSpc>
-                <a:spcPct val="100000"/>
-              </a:lnSpc>
-            </a:pPr>
-            <a:fld id="{466634CD-01B1-48B4-A8CD-CECCB3F167AB}" type="slidenum">
-              <a:rPr lang="en-US" sz="1200" strike="noStrike">
-                <a:solidFill>
-                  <a:srgbClr val="8b8b8b"/>
-                </a:solidFill>
-                <a:latin typeface="Calibri"/>
-              </a:rPr>
-              <a:t>&lt;number&gt;</a:t>
-            </a:fld>
-            <a:endParaRPr/>
-          </a:p>
-        </p:txBody>
-      </p:sp>
-      <p:sp>
-        <p:nvSpPr>
-          <p:cNvPr id="4" name="PlaceHolder 5"/>
           <p:cNvSpPr>
             <a:spLocks noGrp="1"/>
           </p:cNvSpPr>
@@ -2509,8 +2415,8 @@
               <a:buChar char=""/>
             </a:pPr>
             <a:r>
-              <a:rPr lang="bg-BG" sz="3200">
-                <a:latin typeface="Calibri"/>
+              <a:rPr lang="en-US" sz="3200">
+                <a:latin typeface="Arial"/>
               </a:rPr>
               <a:t>Click to edit the outline text format</a:t>
             </a:r>
@@ -2523,8 +2429,8 @@
               <a:buChar char=""/>
             </a:pPr>
             <a:r>
-              <a:rPr lang="bg-BG" sz="2400">
-                <a:latin typeface="Calibri"/>
+              <a:rPr lang="en-US" sz="2800">
+                <a:latin typeface="Arial"/>
               </a:rPr>
               <a:t>Second Outline Level</a:t>
             </a:r>
@@ -2537,8 +2443,8 @@
               <a:buChar char=""/>
             </a:pPr>
             <a:r>
-              <a:rPr lang="bg-BG" sz="2000">
-                <a:latin typeface="Calibri"/>
+              <a:rPr lang="en-US" sz="2400">
+                <a:latin typeface="Arial"/>
               </a:rPr>
               <a:t>Third Outline Level</a:t>
             </a:r>
@@ -2551,8 +2457,8 @@
               <a:buChar char=""/>
             </a:pPr>
             <a:r>
-              <a:rPr lang="bg-BG" sz="2000">
-                <a:latin typeface="Calibri"/>
+              <a:rPr lang="en-US" sz="2000">
+                <a:latin typeface="Arial"/>
               </a:rPr>
               <a:t>Fourth Outline Level</a:t>
             </a:r>
@@ -2565,8 +2471,8 @@
               <a:buChar char=""/>
             </a:pPr>
             <a:r>
-              <a:rPr lang="bg-BG" sz="2000">
-                <a:latin typeface="Calibri"/>
+              <a:rPr lang="en-US" sz="2000">
+                <a:latin typeface="Arial"/>
               </a:rPr>
               <a:t>Fifth Outline Level</a:t>
             </a:r>
@@ -2579,8 +2485,8 @@
               <a:buChar char=""/>
             </a:pPr>
             <a:r>
-              <a:rPr lang="bg-BG" sz="2000">
-                <a:latin typeface="Calibri"/>
+              <a:rPr lang="en-US" sz="2000">
+                <a:latin typeface="Arial"/>
               </a:rPr>
               <a:t>Sixth Outline Level</a:t>
             </a:r>
@@ -2593,8 +2499,8 @@
               <a:buChar char=""/>
             </a:pPr>
             <a:r>
-              <a:rPr lang="bg-BG" sz="2000">
-                <a:latin typeface="Calibri"/>
+              <a:rPr lang="en-US" sz="2000">
+                <a:latin typeface="Arial"/>
               </a:rPr>
               <a:t>Seventh Outline Level</a:t>
             </a:r>
@@ -2651,7 +2557,7 @@
       </p:grpSpPr>
       <p:sp>
         <p:nvSpPr>
-          <p:cNvPr id="39" name="PlaceHolder 1"/>
+          <p:cNvPr id="36" name="PlaceHolder 1"/>
           <p:cNvSpPr>
             <a:spLocks noGrp="1"/>
           </p:cNvSpPr>
@@ -2661,29 +2567,22 @@
         </p:nvSpPr>
         <p:spPr>
           <a:xfrm>
-            <a:off x="457200" y="274680"/>
-            <a:ext cx="8229240" cy="1142640"/>
-          </a:xfrm>
-          <a:prstGeom prst="rect">
-            <a:avLst/>
-          </a:prstGeom>
-        </p:spPr>
-        <p:txBody>
-          <a:bodyPr anchor="ctr"/>
-          <a:p>
-            <a:pPr algn="ctr">
-              <a:lnSpc>
-                <a:spcPct val="100000"/>
-              </a:lnSpc>
-            </a:pPr>
+            <a:off x="457200" y="273600"/>
+            <a:ext cx="8229240" cy="1144800"/>
+          </a:xfrm>
+          <a:prstGeom prst="rect">
+            <a:avLst/>
+          </a:prstGeom>
+        </p:spPr>
+        <p:txBody>
+          <a:bodyPr lIns="0" rIns="0" tIns="0" bIns="0" anchor="ctr"/>
+          <a:p>
+            <a:pPr algn="ctr"/>
             <a:r>
-              <a:rPr lang="bg-BG" sz="4400" strike="noStrike">
-                <a:solidFill>
-                  <a:srgbClr val="000000"/>
-                </a:solidFill>
-                <a:latin typeface="Calibri"/>
+              <a:rPr lang="en-US" sz="4400">
+                <a:latin typeface="Arial"/>
               </a:rPr>
-              <a:t>Click to edit the title text formatClick to edit Master title style</a:t>
+              <a:t>Click to edit the title text format</a:t>
             </a:r>
             <a:endParaRPr/>
           </a:p>
@@ -2691,7 +2590,7 @@
       </p:sp>
       <p:sp>
         <p:nvSpPr>
-          <p:cNvPr id="40" name="PlaceHolder 2"/>
+          <p:cNvPr id="37" name="PlaceHolder 2"/>
           <p:cNvSpPr>
             <a:spLocks noGrp="1"/>
           </p:cNvSpPr>
@@ -2701,15 +2600,15 @@
         </p:nvSpPr>
         <p:spPr>
           <a:xfrm>
-            <a:off x="457200" y="1600200"/>
-            <a:ext cx="8229240" cy="4525560"/>
-          </a:xfrm>
-          <a:prstGeom prst="rect">
-            <a:avLst/>
-          </a:prstGeom>
-        </p:spPr>
-        <p:txBody>
-          <a:bodyPr/>
+            <a:off x="457200" y="1604520"/>
+            <a:ext cx="8229240" cy="3977280"/>
+          </a:xfrm>
+          <a:prstGeom prst="rect">
+            <a:avLst/>
+          </a:prstGeom>
+        </p:spPr>
+        <p:txBody>
+          <a:bodyPr lIns="0" rIns="0" tIns="0" bIns="0"/>
           <a:p>
             <a:pPr>
               <a:buSzPct val="45000"/>
@@ -2717,11 +2616,8 @@
               <a:buChar char=""/>
             </a:pPr>
             <a:r>
-              <a:rPr lang="bg-BG" sz="3200" strike="noStrike">
-                <a:solidFill>
-                  <a:srgbClr val="000000"/>
-                </a:solidFill>
-                <a:latin typeface="Calibri"/>
+              <a:rPr lang="en-US" sz="3200">
+                <a:latin typeface="Arial"/>
               </a:rPr>
               <a:t>Click to edit the outline text format</a:t>
             </a:r>
@@ -2734,11 +2630,8 @@
               <a:buChar char=""/>
             </a:pPr>
             <a:r>
-              <a:rPr lang="bg-BG" sz="3200" strike="noStrike">
-                <a:solidFill>
-                  <a:srgbClr val="000000"/>
-                </a:solidFill>
-                <a:latin typeface="Calibri"/>
+              <a:rPr lang="en-US" sz="2800">
+                <a:latin typeface="Arial"/>
               </a:rPr>
               <a:t>Second Outline Level</a:t>
             </a:r>
@@ -2751,11 +2644,8 @@
               <a:buChar char=""/>
             </a:pPr>
             <a:r>
-              <a:rPr lang="bg-BG" sz="3200" strike="noStrike">
-                <a:solidFill>
-                  <a:srgbClr val="000000"/>
-                </a:solidFill>
-                <a:latin typeface="Calibri"/>
+              <a:rPr lang="en-US" sz="2400">
+                <a:latin typeface="Arial"/>
               </a:rPr>
               <a:t>Third Outline Level</a:t>
             </a:r>
@@ -2768,11 +2658,8 @@
               <a:buChar char=""/>
             </a:pPr>
             <a:r>
-              <a:rPr lang="bg-BG" sz="3200" strike="noStrike">
-                <a:solidFill>
-                  <a:srgbClr val="000000"/>
-                </a:solidFill>
-                <a:latin typeface="Calibri"/>
+              <a:rPr lang="en-US" sz="2000">
+                <a:latin typeface="Arial"/>
               </a:rPr>
               <a:t>Fourth Outline Level</a:t>
             </a:r>
@@ -2785,11 +2672,8 @@
               <a:buChar char=""/>
             </a:pPr>
             <a:r>
-              <a:rPr lang="bg-BG" sz="3200" strike="noStrike">
-                <a:solidFill>
-                  <a:srgbClr val="000000"/>
-                </a:solidFill>
-                <a:latin typeface="Calibri"/>
+              <a:rPr lang="en-US" sz="2000">
+                <a:latin typeface="Arial"/>
               </a:rPr>
               <a:t>Fifth Outline Level</a:t>
             </a:r>
@@ -2802,215 +2686,25 @@
               <a:buChar char=""/>
             </a:pPr>
             <a:r>
-              <a:rPr lang="bg-BG" sz="3200" strike="noStrike">
-                <a:solidFill>
-                  <a:srgbClr val="000000"/>
-                </a:solidFill>
-                <a:latin typeface="Calibri"/>
+              <a:rPr lang="en-US" sz="2000">
+                <a:latin typeface="Arial"/>
               </a:rPr>
               <a:t>Sixth Outline Level</a:t>
             </a:r>
             <a:endParaRPr/>
           </a:p>
           <a:p>
-            <a:pPr>
-              <a:lnSpc>
-                <a:spcPct val="100000"/>
-              </a:lnSpc>
-              <a:buFont typeface="Arial"/>
-              <a:buChar char="•"/>
+            <a:pPr lvl="6">
+              <a:buSzPct val="45000"/>
+              <a:buFont typeface="StarSymbol"/>
+              <a:buChar char=""/>
             </a:pPr>
             <a:r>
-              <a:rPr lang="bg-BG" sz="3200" strike="noStrike">
-                <a:solidFill>
-                  <a:srgbClr val="000000"/>
-                </a:solidFill>
-                <a:latin typeface="Calibri"/>
+              <a:rPr lang="en-US" sz="2000">
+                <a:latin typeface="Arial"/>
               </a:rPr>
-              <a:t>Seventh Outline LevelClick to edit Master text styles</a:t>
+              <a:t>Seventh Outline Level</a:t>
             </a:r>
-            <a:endParaRPr/>
-          </a:p>
-          <a:p>
-            <a:pPr lvl="1">
-              <a:lnSpc>
-                <a:spcPct val="100000"/>
-              </a:lnSpc>
-              <a:buFont typeface="Arial"/>
-              <a:buChar char="–"/>
-            </a:pPr>
-            <a:r>
-              <a:rPr lang="bg-BG" sz="2800" strike="noStrike">
-                <a:solidFill>
-                  <a:srgbClr val="000000"/>
-                </a:solidFill>
-                <a:latin typeface="Calibri"/>
-              </a:rPr>
-              <a:t>Second level</a:t>
-            </a:r>
-            <a:endParaRPr/>
-          </a:p>
-          <a:p>
-            <a:pPr lvl="2">
-              <a:lnSpc>
-                <a:spcPct val="100000"/>
-              </a:lnSpc>
-              <a:buFont typeface="Arial"/>
-              <a:buChar char="•"/>
-            </a:pPr>
-            <a:r>
-              <a:rPr lang="bg-BG" sz="2400" strike="noStrike">
-                <a:solidFill>
-                  <a:srgbClr val="000000"/>
-                </a:solidFill>
-                <a:latin typeface="Calibri"/>
-              </a:rPr>
-              <a:t>Third level</a:t>
-            </a:r>
-            <a:endParaRPr/>
-          </a:p>
-          <a:p>
-            <a:pPr lvl="3">
-              <a:lnSpc>
-                <a:spcPct val="100000"/>
-              </a:lnSpc>
-              <a:buFont typeface="Arial"/>
-              <a:buChar char="–"/>
-            </a:pPr>
-            <a:r>
-              <a:rPr lang="bg-BG" sz="2000" strike="noStrike">
-                <a:solidFill>
-                  <a:srgbClr val="000000"/>
-                </a:solidFill>
-                <a:latin typeface="Calibri"/>
-              </a:rPr>
-              <a:t>Fourth level</a:t>
-            </a:r>
-            <a:endParaRPr/>
-          </a:p>
-          <a:p>
-            <a:pPr lvl="4">
-              <a:lnSpc>
-                <a:spcPct val="100000"/>
-              </a:lnSpc>
-              <a:buFont typeface="Arial"/>
-              <a:buChar char="»"/>
-            </a:pPr>
-            <a:r>
-              <a:rPr lang="bg-BG" sz="2000" strike="noStrike">
-                <a:solidFill>
-                  <a:srgbClr val="000000"/>
-                </a:solidFill>
-                <a:latin typeface="Calibri"/>
-              </a:rPr>
-              <a:t>Fifth level</a:t>
-            </a:r>
-            <a:endParaRPr/>
-          </a:p>
-        </p:txBody>
-      </p:sp>
-      <p:sp>
-        <p:nvSpPr>
-          <p:cNvPr id="41" name="PlaceHolder 3"/>
-          <p:cNvSpPr>
-            <a:spLocks noGrp="1"/>
-          </p:cNvSpPr>
-          <p:nvPr>
-            <p:ph type="dt"/>
-          </p:nvPr>
-        </p:nvSpPr>
-        <p:spPr>
-          <a:xfrm>
-            <a:off x="457200" y="6356520"/>
-            <a:ext cx="2133360" cy="364680"/>
-          </a:xfrm>
-          <a:prstGeom prst="rect">
-            <a:avLst/>
-          </a:prstGeom>
-        </p:spPr>
-        <p:txBody>
-          <a:bodyPr anchor="ctr"/>
-          <a:p>
-            <a:pPr>
-              <a:lnSpc>
-                <a:spcPct val="100000"/>
-              </a:lnSpc>
-            </a:pPr>
-            <a:r>
-              <a:rPr lang="en-US" sz="1200" strike="noStrike">
-                <a:solidFill>
-                  <a:srgbClr val="8b8b8b"/>
-                </a:solidFill>
-                <a:latin typeface="Calibri"/>
-              </a:rPr>
-              <a:t>4/27/15</a:t>
-            </a:r>
-            <a:endParaRPr/>
-          </a:p>
-        </p:txBody>
-      </p:sp>
-      <p:sp>
-        <p:nvSpPr>
-          <p:cNvPr id="42" name="PlaceHolder 4"/>
-          <p:cNvSpPr>
-            <a:spLocks noGrp="1"/>
-          </p:cNvSpPr>
-          <p:nvPr>
-            <p:ph type="ftr"/>
-          </p:nvPr>
-        </p:nvSpPr>
-        <p:spPr>
-          <a:xfrm>
-            <a:off x="3124080" y="6356520"/>
-            <a:ext cx="2895120" cy="364680"/>
-          </a:xfrm>
-          <a:prstGeom prst="rect">
-            <a:avLst/>
-          </a:prstGeom>
-        </p:spPr>
-        <p:txBody>
-          <a:bodyPr anchor="ctr"/>
-          <a:p>
-            <a:endParaRPr/>
-          </a:p>
-        </p:txBody>
-      </p:sp>
-      <p:sp>
-        <p:nvSpPr>
-          <p:cNvPr id="43" name="PlaceHolder 5"/>
-          <p:cNvSpPr>
-            <a:spLocks noGrp="1"/>
-          </p:cNvSpPr>
-          <p:nvPr>
-            <p:ph type="sldNum"/>
-          </p:nvPr>
-        </p:nvSpPr>
-        <p:spPr>
-          <a:xfrm>
-            <a:off x="6553080" y="6356520"/>
-            <a:ext cx="2133360" cy="364680"/>
-          </a:xfrm>
-          <a:prstGeom prst="rect">
-            <a:avLst/>
-          </a:prstGeom>
-        </p:spPr>
-        <p:txBody>
-          <a:bodyPr anchor="ctr"/>
-          <a:p>
-            <a:pPr algn="r">
-              <a:lnSpc>
-                <a:spcPct val="100000"/>
-              </a:lnSpc>
-            </a:pPr>
-            <a:fld id="{751707AD-210E-4A74-B4B7-8E74F460A158}" type="slidenum">
-              <a:rPr lang="en-US" sz="1200" strike="noStrike">
-                <a:solidFill>
-                  <a:srgbClr val="8b8b8b"/>
-                </a:solidFill>
-                <a:latin typeface="Calibri"/>
-              </a:rPr>
-              <a:t>&lt;number&gt;</a:t>
-            </a:fld>
             <a:endParaRPr/>
           </a:p>
         </p:txBody>
@@ -3054,14 +2748,14 @@
       </p:grpSpPr>
       <p:sp>
         <p:nvSpPr>
-          <p:cNvPr id="78" name="TextShape 1"/>
-          <p:cNvSpPr txBox="1"/>
+          <p:cNvPr id="72" name="CustomShape 1"/>
+          <p:cNvSpPr/>
           <p:nvPr/>
         </p:nvSpPr>
         <p:spPr>
           <a:xfrm>
             <a:off x="685800" y="2130480"/>
-            <a:ext cx="7772040" cy="1469520"/>
+            <a:ext cx="7771680" cy="1469160"/>
           </a:xfrm>
           <a:prstGeom prst="rect">
             <a:avLst/>
@@ -3071,8 +2765,14 @@
             <a:noFill/>
           </a:ln>
         </p:spPr>
-        <p:txBody>
-          <a:bodyPr anchor="ctr"/>
+        <p:style>
+          <a:lnRef idx="0"/>
+          <a:fillRef idx="0"/>
+          <a:effectRef idx="0"/>
+          <a:fontRef idx="minor"/>
+        </p:style>
+        <p:txBody>
+          <a:bodyPr lIns="90000" rIns="90000" tIns="45000" bIns="45000" anchor="ctr"/>
           <a:p>
             <a:pPr algn="ctr">
               <a:lnSpc>
@@ -3080,13 +2780,13 @@
               </a:lnSpc>
             </a:pPr>
             <a:r>
-              <a:rPr lang="bg-BG" sz="4400" strike="noStrike">
+              <a:rPr lang="en-US" sz="4400" strike="noStrike">
                 <a:solidFill>
                   <a:srgbClr val="f79646"/>
                 </a:solidFill>
                 <a:latin typeface="Calibri"/>
               </a:rPr>
-              <a:t>Увод в JAVA</a:t>
+              <a:t>Увод в PHP</a:t>
             </a:r>
             <a:endParaRPr/>
           </a:p>
@@ -3094,14 +2794,14 @@
       </p:sp>
       <p:sp>
         <p:nvSpPr>
-          <p:cNvPr id="79" name="TextShape 2"/>
-          <p:cNvSpPr txBox="1"/>
+          <p:cNvPr id="73" name="CustomShape 2"/>
+          <p:cNvSpPr/>
           <p:nvPr/>
         </p:nvSpPr>
         <p:spPr>
           <a:xfrm>
             <a:off x="1371600" y="3886200"/>
-            <a:ext cx="6400440" cy="1752120"/>
+            <a:ext cx="6400080" cy="1751760"/>
           </a:xfrm>
           <a:prstGeom prst="rect">
             <a:avLst/>
@@ -3111,8 +2811,14 @@
             <a:noFill/>
           </a:ln>
         </p:spPr>
-        <p:txBody>
-          <a:bodyPr/>
+        <p:style>
+          <a:lnRef idx="0"/>
+          <a:fillRef idx="0"/>
+          <a:effectRef idx="0"/>
+          <a:fontRef idx="minor"/>
+        </p:style>
+        <p:txBody>
+          <a:bodyPr lIns="90000" rIns="90000" tIns="45000" bIns="45000"/>
           <a:p>
             <a:pPr algn="ctr">
               <a:lnSpc>
@@ -3183,14 +2889,14 @@
       </p:grpSpPr>
       <p:sp>
         <p:nvSpPr>
-          <p:cNvPr id="80" name="TextShape 1"/>
-          <p:cNvSpPr txBox="1"/>
+          <p:cNvPr id="74" name="CustomShape 1"/>
+          <p:cNvSpPr/>
           <p:nvPr/>
         </p:nvSpPr>
         <p:spPr>
           <a:xfrm>
             <a:off x="838080" y="685800"/>
-            <a:ext cx="8229240" cy="1142640"/>
+            <a:ext cx="8228880" cy="1142280"/>
           </a:xfrm>
           <a:prstGeom prst="rect">
             <a:avLst/>
@@ -3200,8 +2906,14 @@
             <a:noFill/>
           </a:ln>
         </p:spPr>
-        <p:txBody>
-          <a:bodyPr anchor="ctr"/>
+        <p:style>
+          <a:lnRef idx="0"/>
+          <a:fillRef idx="0"/>
+          <a:effectRef idx="0"/>
+          <a:fontRef idx="minor"/>
+        </p:style>
+        <p:txBody>
+          <a:bodyPr lIns="90000" rIns="90000" tIns="45000" bIns="45000" anchor="ctr"/>
           <a:p>
             <a:pPr>
               <a:lnSpc>
@@ -3209,7 +2921,7 @@
               </a:lnSpc>
             </a:pPr>
             <a:r>
-              <a:rPr lang="bg-BG" sz="4400" strike="noStrike">
+              <a:rPr lang="en-US" sz="4400" strike="noStrike">
                 <a:solidFill>
                   <a:srgbClr val="f79646"/>
                 </a:solidFill>
@@ -3223,14 +2935,14 @@
       </p:sp>
       <p:sp>
         <p:nvSpPr>
-          <p:cNvPr id="81" name="TextShape 2"/>
-          <p:cNvSpPr txBox="1"/>
+          <p:cNvPr id="75" name="CustomShape 2"/>
+          <p:cNvSpPr/>
           <p:nvPr/>
         </p:nvSpPr>
         <p:spPr>
           <a:xfrm>
             <a:off x="762120" y="1676520"/>
-            <a:ext cx="7619760" cy="4525560"/>
+            <a:ext cx="7619400" cy="4525200"/>
           </a:xfrm>
           <a:prstGeom prst="rect">
             <a:avLst/>
@@ -3240,8 +2952,14 @@
             <a:noFill/>
           </a:ln>
         </p:spPr>
-        <p:txBody>
-          <a:bodyPr/>
+        <p:style>
+          <a:lnRef idx="0"/>
+          <a:fillRef idx="0"/>
+          <a:effectRef idx="0"/>
+          <a:fontRef idx="minor"/>
+        </p:style>
+        <p:txBody>
+          <a:bodyPr lIns="90000" rIns="90000" tIns="45000" bIns="45000"/>
           <a:p>
             <a:pPr>
               <a:lnSpc>
@@ -3251,7 +2969,7 @@
               <a:buChar char=""/>
             </a:pPr>
             <a:r>
-              <a:rPr lang="bg-BG" sz="3200" strike="noStrike">
+              <a:rPr lang="en-US" sz="3200" strike="noStrike">
                 <a:solidFill>
                   <a:srgbClr val="f2f2f2"/>
                 </a:solidFill>
@@ -3270,7 +2988,7 @@
               <a:buChar char=""/>
             </a:pPr>
             <a:r>
-              <a:rPr lang="bg-BG" sz="3200" strike="noStrike">
+              <a:rPr lang="en-US" sz="3200" strike="noStrike">
                 <a:solidFill>
                   <a:srgbClr val="f2f2f2"/>
                 </a:solidFill>
@@ -3289,7 +3007,7 @@
               <a:buChar char=""/>
             </a:pPr>
             <a:r>
-              <a:rPr lang="bg-BG" sz="3200" strike="noStrike">
+              <a:rPr lang="en-US" sz="3200" strike="noStrike">
                 <a:solidFill>
                   <a:srgbClr val="f2f2f2"/>
                 </a:solidFill>
@@ -3304,8 +3022,6 @@
               <a:lnSpc>
                 <a:spcPct val="100000"/>
               </a:lnSpc>
-              <a:buFont typeface="Wingdings" charset="2"/>
-              <a:buChar char=""/>
             </a:pPr>
             <a:endParaRPr/>
           </a:p>
@@ -3362,14 +3078,14 @@
       </p:grpSpPr>
       <p:sp>
         <p:nvSpPr>
-          <p:cNvPr id="82" name="TextShape 1"/>
-          <p:cNvSpPr txBox="1"/>
+          <p:cNvPr id="76" name="CustomShape 1"/>
+          <p:cNvSpPr/>
           <p:nvPr/>
         </p:nvSpPr>
         <p:spPr>
           <a:xfrm>
             <a:off x="838080" y="685800"/>
-            <a:ext cx="8229240" cy="1142640"/>
+            <a:ext cx="8228880" cy="1142280"/>
           </a:xfrm>
           <a:prstGeom prst="rect">
             <a:avLst/>
@@ -3379,8 +3095,14 @@
             <a:noFill/>
           </a:ln>
         </p:spPr>
-        <p:txBody>
-          <a:bodyPr anchor="ctr"/>
+        <p:style>
+          <a:lnRef idx="0"/>
+          <a:fillRef idx="0"/>
+          <a:effectRef idx="0"/>
+          <a:fontRef idx="minor"/>
+        </p:style>
+        <p:txBody>
+          <a:bodyPr lIns="90000" rIns="90000" tIns="45000" bIns="45000" anchor="ctr"/>
           <a:p>
             <a:pPr>
               <a:lnSpc>
@@ -3388,7 +3110,7 @@
               </a:lnSpc>
             </a:pPr>
             <a:r>
-              <a:rPr lang="bg-BG" sz="4400" strike="noStrike">
+              <a:rPr lang="en-US" sz="4400" strike="noStrike">
                 <a:solidFill>
                   <a:srgbClr val="f79646"/>
                 </a:solidFill>
@@ -3402,14 +3124,14 @@
       </p:sp>
       <p:sp>
         <p:nvSpPr>
-          <p:cNvPr id="83" name="TextShape 2"/>
-          <p:cNvSpPr txBox="1"/>
+          <p:cNvPr id="77" name="CustomShape 2"/>
+          <p:cNvSpPr/>
           <p:nvPr/>
         </p:nvSpPr>
         <p:spPr>
           <a:xfrm>
             <a:off x="762120" y="1676520"/>
-            <a:ext cx="7619760" cy="4525560"/>
+            <a:ext cx="7619400" cy="4525200"/>
           </a:xfrm>
           <a:prstGeom prst="rect">
             <a:avLst/>
@@ -3419,8 +3141,14 @@
             <a:noFill/>
           </a:ln>
         </p:spPr>
-        <p:txBody>
-          <a:bodyPr/>
+        <p:style>
+          <a:lnRef idx="0"/>
+          <a:fillRef idx="0"/>
+          <a:effectRef idx="0"/>
+          <a:fontRef idx="minor"/>
+        </p:style>
+        <p:txBody>
+          <a:bodyPr lIns="90000" rIns="90000" tIns="45000" bIns="45000"/>
           <a:p>
             <a:pPr>
               <a:lnSpc>
@@ -3430,7 +3158,7 @@
               <a:buChar char=""/>
             </a:pPr>
             <a:r>
-              <a:rPr lang="bg-BG" sz="3200" strike="noStrike">
+              <a:rPr lang="en-US" sz="3200" strike="noStrike">
                 <a:solidFill>
                   <a:srgbClr val="f2f2f2"/>
                 </a:solidFill>
@@ -3449,7 +3177,7 @@
               <a:buChar char=""/>
             </a:pPr>
             <a:r>
-              <a:rPr lang="bg-BG" sz="3200" strike="noStrike">
+              <a:rPr lang="en-US" sz="3200" strike="noStrike">
                 <a:solidFill>
                   <a:srgbClr val="f2f2f2"/>
                 </a:solidFill>
@@ -3520,14 +3248,14 @@
       </p:grpSpPr>
       <p:sp>
         <p:nvSpPr>
-          <p:cNvPr id="84" name="TextShape 1"/>
-          <p:cNvSpPr txBox="1"/>
+          <p:cNvPr id="78" name="CustomShape 1"/>
+          <p:cNvSpPr/>
           <p:nvPr/>
         </p:nvSpPr>
         <p:spPr>
           <a:xfrm>
             <a:off x="838080" y="685800"/>
-            <a:ext cx="8229240" cy="1142640"/>
+            <a:ext cx="8228880" cy="1142280"/>
           </a:xfrm>
           <a:prstGeom prst="rect">
             <a:avLst/>
@@ -3537,8 +3265,14 @@
             <a:noFill/>
           </a:ln>
         </p:spPr>
-        <p:txBody>
-          <a:bodyPr anchor="ctr"/>
+        <p:style>
+          <a:lnRef idx="0"/>
+          <a:fillRef idx="0"/>
+          <a:effectRef idx="0"/>
+          <a:fontRef idx="minor"/>
+        </p:style>
+        <p:txBody>
+          <a:bodyPr lIns="90000" rIns="90000" tIns="45000" bIns="45000" anchor="ctr"/>
           <a:p>
             <a:pPr>
               <a:lnSpc>
@@ -3546,7 +3280,7 @@
               </a:lnSpc>
             </a:pPr>
             <a:r>
-              <a:rPr lang="bg-BG" sz="4400" strike="noStrike">
+              <a:rPr lang="en-US" sz="4400" strike="noStrike">
                 <a:solidFill>
                   <a:srgbClr val="f79646"/>
                 </a:solidFill>
@@ -3560,7 +3294,7 @@
       </p:sp>
       <p:pic>
         <p:nvPicPr>
-          <p:cNvPr id="85" name="" descr=""/>
+          <p:cNvPr id="79" name="" descr=""/>
           <p:cNvPicPr/>
           <p:nvPr/>
         </p:nvPicPr>
@@ -3571,7 +3305,7 @@
         <p:spPr>
           <a:xfrm>
             <a:off x="3153240" y="2451600"/>
-            <a:ext cx="2857320" cy="1714320"/>
+            <a:ext cx="2856960" cy="1713960"/>
           </a:xfrm>
           <a:prstGeom prst="rect">
             <a:avLst/>
@@ -3632,14 +3366,14 @@
       </p:grpSpPr>
       <p:sp>
         <p:nvSpPr>
-          <p:cNvPr id="86" name="TextShape 1"/>
-          <p:cNvSpPr txBox="1"/>
+          <p:cNvPr id="80" name="CustomShape 1"/>
+          <p:cNvSpPr/>
           <p:nvPr/>
         </p:nvSpPr>
         <p:spPr>
           <a:xfrm>
             <a:off x="838080" y="685800"/>
-            <a:ext cx="8229240" cy="1142640"/>
+            <a:ext cx="8228880" cy="1142280"/>
           </a:xfrm>
           <a:prstGeom prst="rect">
             <a:avLst/>
@@ -3649,8 +3383,14 @@
             <a:noFill/>
           </a:ln>
         </p:spPr>
-        <p:txBody>
-          <a:bodyPr anchor="ctr"/>
+        <p:style>
+          <a:lnRef idx="0"/>
+          <a:fillRef idx="0"/>
+          <a:effectRef idx="0"/>
+          <a:fontRef idx="minor"/>
+        </p:style>
+        <p:txBody>
+          <a:bodyPr lIns="90000" rIns="90000" tIns="45000" bIns="45000" anchor="ctr"/>
           <a:p>
             <a:pPr>
               <a:lnSpc>
@@ -3658,7 +3398,7 @@
               </a:lnSpc>
             </a:pPr>
             <a:r>
-              <a:rPr lang="bg-BG" sz="4400" strike="noStrike">
+              <a:rPr lang="en-US" sz="4400" strike="noStrike">
                 <a:solidFill>
                   <a:srgbClr val="f79646"/>
                 </a:solidFill>
@@ -3672,14 +3412,14 @@
       </p:sp>
       <p:sp>
         <p:nvSpPr>
-          <p:cNvPr id="87" name="TextShape 2"/>
-          <p:cNvSpPr txBox="1"/>
+          <p:cNvPr id="81" name="CustomShape 2"/>
+          <p:cNvSpPr/>
           <p:nvPr/>
         </p:nvSpPr>
         <p:spPr>
           <a:xfrm>
             <a:off x="762120" y="1676520"/>
-            <a:ext cx="7619760" cy="4525560"/>
+            <a:ext cx="7619400" cy="4525200"/>
           </a:xfrm>
           <a:prstGeom prst="rect">
             <a:avLst/>
@@ -3689,8 +3429,14 @@
             <a:noFill/>
           </a:ln>
         </p:spPr>
-        <p:txBody>
-          <a:bodyPr/>
+        <p:style>
+          <a:lnRef idx="0"/>
+          <a:fillRef idx="0"/>
+          <a:effectRef idx="0"/>
+          <a:fontRef idx="minor"/>
+        </p:style>
+        <p:txBody>
+          <a:bodyPr lIns="90000" rIns="90000" tIns="45000" bIns="45000"/>
           <a:p>
             <a:pPr>
               <a:lnSpc>
@@ -3700,7 +3446,7 @@
               <a:buChar char=""/>
             </a:pPr>
             <a:r>
-              <a:rPr lang="bg-BG" sz="3200" strike="noStrike">
+              <a:rPr lang="en-US" sz="3200" strike="noStrike">
                 <a:solidFill>
                   <a:srgbClr val="f2f2f2"/>
                 </a:solidFill>
@@ -3719,7 +3465,7 @@
               <a:buChar char=""/>
             </a:pPr>
             <a:r>
-              <a:rPr lang="bg-BG" sz="3200" strike="noStrike">
+              <a:rPr lang="en-US" sz="3200" strike="noStrike">
                 <a:solidFill>
                   <a:srgbClr val="f2f2f2"/>
                 </a:solidFill>
@@ -3782,14 +3528,14 @@
       </p:grpSpPr>
       <p:sp>
         <p:nvSpPr>
-          <p:cNvPr id="88" name="TextShape 1"/>
-          <p:cNvSpPr txBox="1"/>
+          <p:cNvPr id="82" name="CustomShape 1"/>
+          <p:cNvSpPr/>
           <p:nvPr/>
         </p:nvSpPr>
         <p:spPr>
           <a:xfrm>
             <a:off x="838080" y="685800"/>
-            <a:ext cx="8229240" cy="1142640"/>
+            <a:ext cx="8228880" cy="1142280"/>
           </a:xfrm>
           <a:prstGeom prst="rect">
             <a:avLst/>
@@ -3799,8 +3545,14 @@
             <a:noFill/>
           </a:ln>
         </p:spPr>
-        <p:txBody>
-          <a:bodyPr anchor="ctr"/>
+        <p:style>
+          <a:lnRef idx="0"/>
+          <a:fillRef idx="0"/>
+          <a:effectRef idx="0"/>
+          <a:fontRef idx="minor"/>
+        </p:style>
+        <p:txBody>
+          <a:bodyPr lIns="90000" rIns="90000" tIns="45000" bIns="45000" anchor="ctr"/>
           <a:p>
             <a:pPr>
               <a:lnSpc>
@@ -3808,7 +3560,7 @@
               </a:lnSpc>
             </a:pPr>
             <a:r>
-              <a:rPr lang="bg-BG" sz="4400" strike="noStrike">
+              <a:rPr lang="en-US" sz="4400" strike="noStrike">
                 <a:solidFill>
                   <a:srgbClr val="f79646"/>
                 </a:solidFill>
@@ -3822,14 +3574,14 @@
       </p:sp>
       <p:sp>
         <p:nvSpPr>
-          <p:cNvPr id="89" name="TextShape 2"/>
-          <p:cNvSpPr txBox="1"/>
+          <p:cNvPr id="83" name="CustomShape 2"/>
+          <p:cNvSpPr/>
           <p:nvPr/>
         </p:nvSpPr>
         <p:spPr>
           <a:xfrm>
             <a:off x="762120" y="1676520"/>
-            <a:ext cx="7619760" cy="4525560"/>
+            <a:ext cx="7619400" cy="4525200"/>
           </a:xfrm>
           <a:prstGeom prst="rect">
             <a:avLst/>
@@ -3839,16 +3591,17 @@
             <a:noFill/>
           </a:ln>
         </p:spPr>
-        <p:txBody>
-          <a:bodyPr/>
-          <a:p>
-            <a:pPr>
-              <a:lnSpc>
-                <a:spcPct val="100000"/>
-              </a:lnSpc>
-            </a:pPr>
+        <p:style>
+          <a:lnRef idx="0"/>
+          <a:fillRef idx="0"/>
+          <a:effectRef idx="0"/>
+          <a:fontRef idx="minor"/>
+        </p:style>
+        <p:txBody>
+          <a:bodyPr lIns="90000" rIns="90000" tIns="45000" bIns="45000"/>
+          <a:p>
             <a:r>
-              <a:rPr lang="bg-BG" sz="3200" strike="noStrike">
+              <a:rPr lang="en-US" sz="3200" strike="noStrike">
                 <a:solidFill>
                   <a:srgbClr val="f2f2f2"/>
                 </a:solidFill>
@@ -3856,18 +3609,16 @@
               </a:rPr>
               <a:t>- PHP </a:t>
             </a:r>
+            <a:endParaRPr/>
+          </a:p>
+          <a:p>
+            <a:pPr>
+              <a:lnSpc>
+                <a:spcPct val="100000"/>
+              </a:lnSpc>
+            </a:pPr>
             <a:r>
-              <a:rPr lang="bg-BG" sz="3200" strike="noStrike">
-                <a:solidFill>
-                  <a:srgbClr val="f2f2f2"/>
-                </a:solidFill>
-                <a:latin typeface="Calibri"/>
-              </a:rPr>
-              <a:t>
-</a:t>
-            </a:r>
-            <a:r>
-              <a:rPr lang="bg-BG" sz="3200" strike="noStrike">
+              <a:rPr lang="en-US" sz="3200" strike="noStrike">
                 <a:solidFill>
                   <a:srgbClr val="f2f2f2"/>
                 </a:solidFill>
@@ -3884,7 +3635,7 @@
               </a:lnSpc>
             </a:pPr>
             <a:r>
-              <a:rPr lang="bg-BG" sz="3200" strike="noStrike">
+              <a:rPr lang="en-US" sz="3200" strike="noStrike">
                 <a:solidFill>
                   <a:srgbClr val="f2f2f2"/>
                 </a:solidFill>
@@ -3892,18 +3643,16 @@
               </a:rPr>
               <a:t>- HTML </a:t>
             </a:r>
+            <a:endParaRPr/>
+          </a:p>
+          <a:p>
+            <a:pPr>
+              <a:lnSpc>
+                <a:spcPct val="100000"/>
+              </a:lnSpc>
+            </a:pPr>
             <a:r>
-              <a:rPr lang="bg-BG" sz="3200" strike="noStrike">
-                <a:solidFill>
-                  <a:srgbClr val="f2f2f2"/>
-                </a:solidFill>
-                <a:latin typeface="Calibri"/>
-              </a:rPr>
-              <a:t>
-</a:t>
-            </a:r>
-            <a:r>
-              <a:rPr lang="bg-BG" sz="3200" strike="noStrike">
+              <a:rPr lang="en-US" sz="3200" strike="noStrike">
                 <a:solidFill>
                   <a:srgbClr val="f2f2f2"/>
                 </a:solidFill>
@@ -3911,18 +3660,16 @@
               </a:rPr>
               <a:t>https://developer.mozilla.org/en-US/docs/Web/HTML</a:t>
             </a:r>
+            <a:endParaRPr/>
+          </a:p>
+          <a:p>
+            <a:pPr>
+              <a:lnSpc>
+                <a:spcPct val="100000"/>
+              </a:lnSpc>
+            </a:pPr>
             <a:r>
-              <a:rPr lang="bg-BG" sz="3200" strike="noStrike">
-                <a:solidFill>
-                  <a:srgbClr val="f2f2f2"/>
-                </a:solidFill>
-                <a:latin typeface="Calibri"/>
-              </a:rPr>
-              <a:t>
-</a:t>
-            </a:r>
-            <a:r>
-              <a:rPr lang="bg-BG" sz="3200" strike="noStrike">
+              <a:rPr lang="en-US" sz="3200" strike="noStrike">
                 <a:solidFill>
                   <a:srgbClr val="f2f2f2"/>
                 </a:solidFill>
@@ -3993,14 +3740,14 @@
       </p:grpSpPr>
       <p:sp>
         <p:nvSpPr>
-          <p:cNvPr id="90" name="TextShape 1"/>
-          <p:cNvSpPr txBox="1"/>
+          <p:cNvPr id="84" name="CustomShape 1"/>
+          <p:cNvSpPr/>
           <p:nvPr/>
         </p:nvSpPr>
         <p:spPr>
           <a:xfrm>
             <a:off x="838080" y="685800"/>
-            <a:ext cx="8229240" cy="1142640"/>
+            <a:ext cx="8228880" cy="1142280"/>
           </a:xfrm>
           <a:prstGeom prst="rect">
             <a:avLst/>
@@ -4010,8 +3757,14 @@
             <a:noFill/>
           </a:ln>
         </p:spPr>
-        <p:txBody>
-          <a:bodyPr anchor="ctr"/>
+        <p:style>
+          <a:lnRef idx="0"/>
+          <a:fillRef idx="0"/>
+          <a:effectRef idx="0"/>
+          <a:fontRef idx="minor"/>
+        </p:style>
+        <p:txBody>
+          <a:bodyPr lIns="90000" rIns="90000" tIns="45000" bIns="45000" anchor="ctr"/>
           <a:p>
             <a:pPr>
               <a:lnSpc>
@@ -4019,7 +3772,7 @@
               </a:lnSpc>
             </a:pPr>
             <a:r>
-              <a:rPr lang="bg-BG" sz="4400" strike="noStrike">
+              <a:rPr lang="en-US" sz="4400" strike="noStrike">
                 <a:solidFill>
                   <a:srgbClr val="f79646"/>
                 </a:solidFill>
@@ -4033,14 +3786,14 @@
       </p:sp>
       <p:sp>
         <p:nvSpPr>
-          <p:cNvPr id="91" name="TextShape 2"/>
-          <p:cNvSpPr txBox="1"/>
+          <p:cNvPr id="85" name="CustomShape 2"/>
+          <p:cNvSpPr/>
           <p:nvPr/>
         </p:nvSpPr>
         <p:spPr>
           <a:xfrm>
             <a:off x="762120" y="1676520"/>
-            <a:ext cx="7619760" cy="4525560"/>
+            <a:ext cx="7619400" cy="4525200"/>
           </a:xfrm>
           <a:prstGeom prst="rect">
             <a:avLst/>
@@ -4050,8 +3803,14 @@
             <a:noFill/>
           </a:ln>
         </p:spPr>
-        <p:txBody>
-          <a:bodyPr/>
+        <p:style>
+          <a:lnRef idx="0"/>
+          <a:fillRef idx="0"/>
+          <a:effectRef idx="0"/>
+          <a:fontRef idx="minor"/>
+        </p:style>
+        <p:txBody>
+          <a:bodyPr lIns="90000" rIns="90000" tIns="45000" bIns="45000"/>
           <a:p>
             <a:pPr>
               <a:lnSpc>
@@ -4088,7 +3847,7 @@
       </p:sp>
       <p:pic>
         <p:nvPicPr>
-          <p:cNvPr id="92" name="Picture 3" descr=""/>
+          <p:cNvPr id="86" name="Picture 3" descr=""/>
           <p:cNvPicPr/>
           <p:nvPr/>
         </p:nvPicPr>
@@ -4099,7 +3858,7 @@
         <p:spPr>
           <a:xfrm>
             <a:off x="3505320" y="2057400"/>
-            <a:ext cx="2418840" cy="2418840"/>
+            <a:ext cx="2418480" cy="2418480"/>
           </a:xfrm>
           <a:prstGeom prst="rect">
             <a:avLst/>
@@ -4160,14 +3919,14 @@
       </p:grpSpPr>
       <p:sp>
         <p:nvSpPr>
-          <p:cNvPr id="93" name="TextShape 1"/>
-          <p:cNvSpPr txBox="1"/>
+          <p:cNvPr id="87" name="CustomShape 1"/>
+          <p:cNvSpPr/>
           <p:nvPr/>
         </p:nvSpPr>
         <p:spPr>
           <a:xfrm>
             <a:off x="838080" y="685800"/>
-            <a:ext cx="8229240" cy="1142640"/>
+            <a:ext cx="8228880" cy="1142280"/>
           </a:xfrm>
           <a:prstGeom prst="rect">
             <a:avLst/>
@@ -4177,8 +3936,14 @@
             <a:noFill/>
           </a:ln>
         </p:spPr>
-        <p:txBody>
-          <a:bodyPr anchor="ctr"/>
+        <p:style>
+          <a:lnRef idx="0"/>
+          <a:fillRef idx="0"/>
+          <a:effectRef idx="0"/>
+          <a:fontRef idx="minor"/>
+        </p:style>
+        <p:txBody>
+          <a:bodyPr lIns="90000" rIns="90000" tIns="45000" bIns="45000" anchor="ctr"/>
           <a:p>
             <a:pPr>
               <a:lnSpc>
@@ -4186,7 +3951,7 @@
               </a:lnSpc>
             </a:pPr>
             <a:r>
-              <a:rPr lang="bg-BG" sz="4400" strike="noStrike">
+              <a:rPr lang="en-US" sz="4400" strike="noStrike">
                 <a:solidFill>
                   <a:srgbClr val="f79646"/>
                 </a:solidFill>
@@ -4200,14 +3965,14 @@
       </p:sp>
       <p:sp>
         <p:nvSpPr>
-          <p:cNvPr id="94" name="TextShape 2"/>
-          <p:cNvSpPr txBox="1"/>
+          <p:cNvPr id="88" name="CustomShape 2"/>
+          <p:cNvSpPr/>
           <p:nvPr/>
         </p:nvSpPr>
         <p:spPr>
           <a:xfrm>
-            <a:off x="762120" y="1676520"/>
-            <a:ext cx="7619760" cy="4525560"/>
+            <a:off x="822960" y="2332800"/>
+            <a:ext cx="7619400" cy="4525200"/>
           </a:xfrm>
           <a:prstGeom prst="rect">
             <a:avLst/>
@@ -4217,8 +3982,14 @@
             <a:noFill/>
           </a:ln>
         </p:spPr>
-        <p:txBody>
-          <a:bodyPr/>
+        <p:style>
+          <a:lnRef idx="0"/>
+          <a:fillRef idx="0"/>
+          <a:effectRef idx="0"/>
+          <a:fontRef idx="minor"/>
+        </p:style>
+        <p:txBody>
+          <a:bodyPr lIns="90000" rIns="90000" tIns="45000" bIns="45000"/>
           <a:p>
             <a:pPr>
               <a:lnSpc>
@@ -4228,7 +3999,7 @@
               <a:buChar char=""/>
             </a:pPr>
             <a:r>
-              <a:rPr lang="bg-BG" sz="3200" strike="noStrike">
+              <a:rPr lang="en-US" sz="3200" strike="noStrike">
                 <a:solidFill>
                   <a:srgbClr val="f2f2f2"/>
                 </a:solidFill>
@@ -4247,7 +4018,7 @@
               <a:buChar char=""/>
             </a:pPr>
             <a:r>
-              <a:rPr lang="bg-BG" sz="3200" strike="noStrike">
+              <a:rPr lang="en-US" sz="3200" strike="noStrike">
                 <a:solidFill>
                   <a:srgbClr val="f2f2f2"/>
                 </a:solidFill>
@@ -4266,7 +4037,7 @@
               <a:buChar char=""/>
             </a:pPr>
             <a:r>
-              <a:rPr lang="bg-BG" sz="3200" strike="noStrike">
+              <a:rPr lang="en-US" sz="3200" strike="noStrike">
                 <a:solidFill>
                   <a:srgbClr val="f2f2f2"/>
                 </a:solidFill>
@@ -4280,6 +4051,33 @@
       </p:sp>
     </p:spTree>
   </p:cSld>
+  <p:timing>
+    <p:tnLst>
+      <p:par>
+        <p:cTn id="15" dur="indefinite" restart="never" nodeType="tmRoot">
+          <p:childTnLst>
+            <p:seq>
+              <p:cTn id="16" nodeType="mainSeq"/>
+              <p:prevCondLst>
+                <p:cond delay="0" evt="onPrev">
+                  <p:tgtEl>
+                    <p:sldTgt/>
+                  </p:tgtEl>
+                </p:cond>
+              </p:prevCondLst>
+              <p:nextCondLst>
+                <p:cond delay="0" evt="onNext">
+                  <p:tgtEl>
+                    <p:sldTgt/>
+                  </p:tgtEl>
+                </p:cond>
+              </p:nextCondLst>
+            </p:seq>
+          </p:childTnLst>
+        </p:cTn>
+      </p:par>
+    </p:tnLst>
+  </p:timing>
 </p:sld>
 </file>
 
